--- a/6474cee279b33108.pptx
+++ b/6474cee279b33108.pptx
@@ -9,9 +9,9 @@
   </p:notesMasterIdLst>
   <p:sldIdLst>
     <p:sldId id="256" r:id="rId2"/>
-    <p:sldId id="264" r:id="rId3"/>
-    <p:sldId id="257" r:id="rId4"/>
-    <p:sldId id="265" r:id="rId5"/>
+    <p:sldId id="257" r:id="rId3"/>
+    <p:sldId id="265" r:id="rId4"/>
+    <p:sldId id="266" r:id="rId5"/>
     <p:sldId id="258" r:id="rId6"/>
     <p:sldId id="259" r:id="rId7"/>
     <p:sldId id="260" r:id="rId8"/>
@@ -23,14 +23,14 @@
   <p:notesSz cx="6858000" cy="9144000"/>
   <p:embeddedFontLst>
     <p:embeddedFont>
-      <p:font typeface="Merriweather" panose="020B0604020202020204" charset="-52"/>
+      <p:font typeface="Roboto" panose="020B0604020202020204" charset="0"/>
       <p:regular r:id="rId13"/>
       <p:bold r:id="rId14"/>
       <p:italic r:id="rId15"/>
       <p:boldItalic r:id="rId16"/>
     </p:embeddedFont>
     <p:embeddedFont>
-      <p:font typeface="Roboto" panose="020B0604020202020204" charset="0"/>
+      <p:font typeface="Merriweather" panose="020B0604020202020204" charset="-52"/>
       <p:regular r:id="rId17"/>
       <p:bold r:id="rId18"/>
       <p:italic r:id="rId19"/>
@@ -1982,13 +1982,13 @@
   <p:clrMapOvr>
     <a:masterClrMapping/>
   </p:clrMapOvr>
-  <mc:AlternateContent xmlns:mc="http://schemas.openxmlformats.org/markup-compatibility/2006">
-    <mc:Choice xmlns:p14="http://schemas.microsoft.com/office/powerpoint/2010/main" Requires="p14">
+  <mc:AlternateContent xmlns:mc="http://schemas.openxmlformats.org/markup-compatibility/2006" xmlns:p14="http://schemas.microsoft.com/office/powerpoint/2010/main">
+    <mc:Choice Requires="p14">
       <p:transition spd="med" p14:dur="700">
         <p:fade/>
       </p:transition>
     </mc:Choice>
-    <mc:Fallback>
+    <mc:Fallback xmlns="">
       <p:transition spd="med">
         <p:fade/>
       </p:transition>
@@ -1998,557 +1998,6 @@
 </file>
 
 <file path=ppt/slideLayouts/slideLayout10.xml><?xml version="1.0" encoding="utf-8"?>
-<p:sldLayout xmlns:a="http://schemas.openxmlformats.org/drawingml/2006/main" xmlns:r="http://schemas.openxmlformats.org/officeDocument/2006/relationships" xmlns:p="http://schemas.openxmlformats.org/presentationml/2006/main" matchingName="Big number">
-  <p:cSld name="BIG_NUMBER">
-    <p:bg>
-      <p:bgPr>
-        <a:solidFill>
-          <a:schemeClr val="dk1"/>
-        </a:solidFill>
-        <a:effectLst/>
-      </p:bgPr>
-    </p:bg>
-    <p:spTree>
-      <p:nvGrpSpPr>
-        <p:cNvPr id="1" name="Shape 54"/>
-        <p:cNvGrpSpPr/>
-        <p:nvPr/>
-      </p:nvGrpSpPr>
-      <p:grpSpPr>
-        <a:xfrm>
-          <a:off x="0" y="0"/>
-          <a:ext cx="0" cy="0"/>
-          <a:chOff x="0" y="0"/>
-          <a:chExt cx="0" cy="0"/>
-        </a:xfrm>
-      </p:grpSpPr>
-      <p:sp>
-        <p:nvSpPr>
-          <p:cNvPr id="55" name="Google Shape;55;p11"/>
-          <p:cNvSpPr txBox="1">
-            <a:spLocks noGrp="1"/>
-          </p:cNvSpPr>
-          <p:nvPr>
-            <p:ph type="title" hasCustomPrompt="1"/>
-          </p:nvPr>
-        </p:nvSpPr>
-        <p:spPr>
-          <a:xfrm>
-            <a:off x="311750" y="831175"/>
-            <a:ext cx="5334900" cy="1244700"/>
-          </a:xfrm>
-          <a:prstGeom prst="rect">
-            <a:avLst/>
-          </a:prstGeom>
-        </p:spPr>
-        <p:txBody>
-          <a:bodyPr spcFirstLastPara="1" wrap="square" lIns="91425" tIns="91425" rIns="91425" bIns="91425" anchor="b" anchorCtr="0"/>
-          <a:lstStyle>
-            <a:lvl1pPr lvl="0">
-              <a:spcBef>
-                <a:spcPts val="0"/>
-              </a:spcBef>
-              <a:spcAft>
-                <a:spcPts val="0"/>
-              </a:spcAft>
-              <a:buClr>
-                <a:schemeClr val="lt1"/>
-              </a:buClr>
-              <a:buSzPts val="10000"/>
-              <a:buNone/>
-              <a:defRPr sz="10000">
-                <a:solidFill>
-                  <a:schemeClr val="lt1"/>
-                </a:solidFill>
-              </a:defRPr>
-            </a:lvl1pPr>
-            <a:lvl2pPr lvl="1">
-              <a:spcBef>
-                <a:spcPts val="0"/>
-              </a:spcBef>
-              <a:spcAft>
-                <a:spcPts val="0"/>
-              </a:spcAft>
-              <a:buClr>
-                <a:schemeClr val="lt1"/>
-              </a:buClr>
-              <a:buSzPts val="10000"/>
-              <a:buNone/>
-              <a:defRPr sz="10000">
-                <a:solidFill>
-                  <a:schemeClr val="lt1"/>
-                </a:solidFill>
-              </a:defRPr>
-            </a:lvl2pPr>
-            <a:lvl3pPr lvl="2">
-              <a:spcBef>
-                <a:spcPts val="0"/>
-              </a:spcBef>
-              <a:spcAft>
-                <a:spcPts val="0"/>
-              </a:spcAft>
-              <a:buClr>
-                <a:schemeClr val="lt1"/>
-              </a:buClr>
-              <a:buSzPts val="10000"/>
-              <a:buNone/>
-              <a:defRPr sz="10000">
-                <a:solidFill>
-                  <a:schemeClr val="lt1"/>
-                </a:solidFill>
-              </a:defRPr>
-            </a:lvl3pPr>
-            <a:lvl4pPr lvl="3">
-              <a:spcBef>
-                <a:spcPts val="0"/>
-              </a:spcBef>
-              <a:spcAft>
-                <a:spcPts val="0"/>
-              </a:spcAft>
-              <a:buClr>
-                <a:schemeClr val="lt1"/>
-              </a:buClr>
-              <a:buSzPts val="10000"/>
-              <a:buNone/>
-              <a:defRPr sz="10000">
-                <a:solidFill>
-                  <a:schemeClr val="lt1"/>
-                </a:solidFill>
-              </a:defRPr>
-            </a:lvl4pPr>
-            <a:lvl5pPr lvl="4">
-              <a:spcBef>
-                <a:spcPts val="0"/>
-              </a:spcBef>
-              <a:spcAft>
-                <a:spcPts val="0"/>
-              </a:spcAft>
-              <a:buClr>
-                <a:schemeClr val="lt1"/>
-              </a:buClr>
-              <a:buSzPts val="10000"/>
-              <a:buNone/>
-              <a:defRPr sz="10000">
-                <a:solidFill>
-                  <a:schemeClr val="lt1"/>
-                </a:solidFill>
-              </a:defRPr>
-            </a:lvl5pPr>
-            <a:lvl6pPr lvl="5">
-              <a:spcBef>
-                <a:spcPts val="0"/>
-              </a:spcBef>
-              <a:spcAft>
-                <a:spcPts val="0"/>
-              </a:spcAft>
-              <a:buClr>
-                <a:schemeClr val="lt1"/>
-              </a:buClr>
-              <a:buSzPts val="10000"/>
-              <a:buNone/>
-              <a:defRPr sz="10000">
-                <a:solidFill>
-                  <a:schemeClr val="lt1"/>
-                </a:solidFill>
-              </a:defRPr>
-            </a:lvl6pPr>
-            <a:lvl7pPr lvl="6">
-              <a:spcBef>
-                <a:spcPts val="0"/>
-              </a:spcBef>
-              <a:spcAft>
-                <a:spcPts val="0"/>
-              </a:spcAft>
-              <a:buClr>
-                <a:schemeClr val="lt1"/>
-              </a:buClr>
-              <a:buSzPts val="10000"/>
-              <a:buNone/>
-              <a:defRPr sz="10000">
-                <a:solidFill>
-                  <a:schemeClr val="lt1"/>
-                </a:solidFill>
-              </a:defRPr>
-            </a:lvl7pPr>
-            <a:lvl8pPr lvl="7">
-              <a:spcBef>
-                <a:spcPts val="0"/>
-              </a:spcBef>
-              <a:spcAft>
-                <a:spcPts val="0"/>
-              </a:spcAft>
-              <a:buClr>
-                <a:schemeClr val="lt1"/>
-              </a:buClr>
-              <a:buSzPts val="10000"/>
-              <a:buNone/>
-              <a:defRPr sz="10000">
-                <a:solidFill>
-                  <a:schemeClr val="lt1"/>
-                </a:solidFill>
-              </a:defRPr>
-            </a:lvl8pPr>
-            <a:lvl9pPr lvl="8">
-              <a:spcBef>
-                <a:spcPts val="0"/>
-              </a:spcBef>
-              <a:spcAft>
-                <a:spcPts val="0"/>
-              </a:spcAft>
-              <a:buClr>
-                <a:schemeClr val="lt1"/>
-              </a:buClr>
-              <a:buSzPts val="10000"/>
-              <a:buNone/>
-              <a:defRPr sz="10000">
-                <a:solidFill>
-                  <a:schemeClr val="lt1"/>
-                </a:solidFill>
-              </a:defRPr>
-            </a:lvl9pPr>
-          </a:lstStyle>
-          <a:p>
-            <a:r>
-              <a:t>xx%</a:t>
-            </a:r>
-          </a:p>
-        </p:txBody>
-      </p:sp>
-      <p:sp>
-        <p:nvSpPr>
-          <p:cNvPr id="56" name="Google Shape;56;p11"/>
-          <p:cNvSpPr txBox="1">
-            <a:spLocks noGrp="1"/>
-          </p:cNvSpPr>
-          <p:nvPr>
-            <p:ph type="body" idx="1"/>
-          </p:nvPr>
-        </p:nvSpPr>
-        <p:spPr>
-          <a:xfrm>
-            <a:off x="311700" y="2121425"/>
-            <a:ext cx="5334900" cy="942600"/>
-          </a:xfrm>
-          <a:prstGeom prst="rect">
-            <a:avLst/>
-          </a:prstGeom>
-        </p:spPr>
-        <p:txBody>
-          <a:bodyPr spcFirstLastPara="1" wrap="square" lIns="91425" tIns="91425" rIns="91425" bIns="91425" anchor="t" anchorCtr="0"/>
-          <a:lstStyle>
-            <a:lvl1pPr marL="457200" lvl="0" indent="-311150">
-              <a:spcBef>
-                <a:spcPts val="0"/>
-              </a:spcBef>
-              <a:spcAft>
-                <a:spcPts val="0"/>
-              </a:spcAft>
-              <a:buClr>
-                <a:schemeClr val="accent2"/>
-              </a:buClr>
-              <a:buSzPts val="1300"/>
-              <a:buChar char="●"/>
-              <a:defRPr>
-                <a:solidFill>
-                  <a:schemeClr val="accent2"/>
-                </a:solidFill>
-              </a:defRPr>
-            </a:lvl1pPr>
-            <a:lvl2pPr marL="914400" lvl="1" indent="-298450">
-              <a:spcBef>
-                <a:spcPts val="1600"/>
-              </a:spcBef>
-              <a:spcAft>
-                <a:spcPts val="0"/>
-              </a:spcAft>
-              <a:buClr>
-                <a:schemeClr val="accent2"/>
-              </a:buClr>
-              <a:buSzPts val="1100"/>
-              <a:buChar char="○"/>
-              <a:defRPr>
-                <a:solidFill>
-                  <a:schemeClr val="accent2"/>
-                </a:solidFill>
-              </a:defRPr>
-            </a:lvl2pPr>
-            <a:lvl3pPr marL="1371600" lvl="2" indent="-298450">
-              <a:spcBef>
-                <a:spcPts val="1600"/>
-              </a:spcBef>
-              <a:spcAft>
-                <a:spcPts val="0"/>
-              </a:spcAft>
-              <a:buClr>
-                <a:schemeClr val="accent2"/>
-              </a:buClr>
-              <a:buSzPts val="1100"/>
-              <a:buChar char="■"/>
-              <a:defRPr>
-                <a:solidFill>
-                  <a:schemeClr val="accent2"/>
-                </a:solidFill>
-              </a:defRPr>
-            </a:lvl3pPr>
-            <a:lvl4pPr marL="1828800" lvl="3" indent="-298450">
-              <a:spcBef>
-                <a:spcPts val="1600"/>
-              </a:spcBef>
-              <a:spcAft>
-                <a:spcPts val="0"/>
-              </a:spcAft>
-              <a:buClr>
-                <a:schemeClr val="accent2"/>
-              </a:buClr>
-              <a:buSzPts val="1100"/>
-              <a:buChar char="●"/>
-              <a:defRPr>
-                <a:solidFill>
-                  <a:schemeClr val="accent2"/>
-                </a:solidFill>
-              </a:defRPr>
-            </a:lvl4pPr>
-            <a:lvl5pPr marL="2286000" lvl="4" indent="-298450">
-              <a:spcBef>
-                <a:spcPts val="1600"/>
-              </a:spcBef>
-              <a:spcAft>
-                <a:spcPts val="0"/>
-              </a:spcAft>
-              <a:buClr>
-                <a:schemeClr val="accent2"/>
-              </a:buClr>
-              <a:buSzPts val="1100"/>
-              <a:buChar char="○"/>
-              <a:defRPr>
-                <a:solidFill>
-                  <a:schemeClr val="accent2"/>
-                </a:solidFill>
-              </a:defRPr>
-            </a:lvl5pPr>
-            <a:lvl6pPr marL="2743200" lvl="5" indent="-298450">
-              <a:spcBef>
-                <a:spcPts val="1600"/>
-              </a:spcBef>
-              <a:spcAft>
-                <a:spcPts val="0"/>
-              </a:spcAft>
-              <a:buClr>
-                <a:schemeClr val="accent2"/>
-              </a:buClr>
-              <a:buSzPts val="1100"/>
-              <a:buChar char="■"/>
-              <a:defRPr>
-                <a:solidFill>
-                  <a:schemeClr val="accent2"/>
-                </a:solidFill>
-              </a:defRPr>
-            </a:lvl6pPr>
-            <a:lvl7pPr marL="3200400" lvl="6" indent="-298450">
-              <a:spcBef>
-                <a:spcPts val="1600"/>
-              </a:spcBef>
-              <a:spcAft>
-                <a:spcPts val="0"/>
-              </a:spcAft>
-              <a:buClr>
-                <a:schemeClr val="accent2"/>
-              </a:buClr>
-              <a:buSzPts val="1100"/>
-              <a:buChar char="●"/>
-              <a:defRPr>
-                <a:solidFill>
-                  <a:schemeClr val="accent2"/>
-                </a:solidFill>
-              </a:defRPr>
-            </a:lvl7pPr>
-            <a:lvl8pPr marL="3657600" lvl="7" indent="-298450">
-              <a:spcBef>
-                <a:spcPts val="1600"/>
-              </a:spcBef>
-              <a:spcAft>
-                <a:spcPts val="0"/>
-              </a:spcAft>
-              <a:buClr>
-                <a:schemeClr val="accent2"/>
-              </a:buClr>
-              <a:buSzPts val="1100"/>
-              <a:buChar char="○"/>
-              <a:defRPr>
-                <a:solidFill>
-                  <a:schemeClr val="accent2"/>
-                </a:solidFill>
-              </a:defRPr>
-            </a:lvl8pPr>
-            <a:lvl9pPr marL="4114800" lvl="8" indent="-298450">
-              <a:spcBef>
-                <a:spcPts val="1600"/>
-              </a:spcBef>
-              <a:spcAft>
-                <a:spcPts val="1600"/>
-              </a:spcAft>
-              <a:buClr>
-                <a:schemeClr val="accent2"/>
-              </a:buClr>
-              <a:buSzPts val="1100"/>
-              <a:buChar char="■"/>
-              <a:defRPr>
-                <a:solidFill>
-                  <a:schemeClr val="accent2"/>
-                </a:solidFill>
-              </a:defRPr>
-            </a:lvl9pPr>
-          </a:lstStyle>
-          <a:p>
-            <a:endParaRPr/>
-          </a:p>
-        </p:txBody>
-      </p:sp>
-      <p:sp>
-        <p:nvSpPr>
-          <p:cNvPr id="57" name="Google Shape;57;p11"/>
-          <p:cNvSpPr txBox="1">
-            <a:spLocks noGrp="1"/>
-          </p:cNvSpPr>
-          <p:nvPr>
-            <p:ph type="sldNum" idx="12"/>
-          </p:nvPr>
-        </p:nvSpPr>
-        <p:spPr>
-          <a:xfrm>
-            <a:off x="8472458" y="4663217"/>
-            <a:ext cx="548700" cy="393600"/>
-          </a:xfrm>
-          <a:prstGeom prst="rect">
-            <a:avLst/>
-          </a:prstGeom>
-        </p:spPr>
-        <p:txBody>
-          <a:bodyPr spcFirstLastPara="1" wrap="square" lIns="91425" tIns="91425" rIns="91425" bIns="91425" anchor="ctr" anchorCtr="0">
-            <a:noAutofit/>
-          </a:bodyPr>
-          <a:lstStyle>
-            <a:lvl1pPr lvl="0">
-              <a:buNone/>
-              <a:defRPr>
-                <a:solidFill>
-                  <a:schemeClr val="lt1"/>
-                </a:solidFill>
-              </a:defRPr>
-            </a:lvl1pPr>
-            <a:lvl2pPr lvl="1">
-              <a:buNone/>
-              <a:defRPr>
-                <a:solidFill>
-                  <a:schemeClr val="lt1"/>
-                </a:solidFill>
-              </a:defRPr>
-            </a:lvl2pPr>
-            <a:lvl3pPr lvl="2">
-              <a:buNone/>
-              <a:defRPr>
-                <a:solidFill>
-                  <a:schemeClr val="lt1"/>
-                </a:solidFill>
-              </a:defRPr>
-            </a:lvl3pPr>
-            <a:lvl4pPr lvl="3">
-              <a:buNone/>
-              <a:defRPr>
-                <a:solidFill>
-                  <a:schemeClr val="lt1"/>
-                </a:solidFill>
-              </a:defRPr>
-            </a:lvl4pPr>
-            <a:lvl5pPr lvl="4">
-              <a:buNone/>
-              <a:defRPr>
-                <a:solidFill>
-                  <a:schemeClr val="lt1"/>
-                </a:solidFill>
-              </a:defRPr>
-            </a:lvl5pPr>
-            <a:lvl6pPr lvl="5">
-              <a:buNone/>
-              <a:defRPr>
-                <a:solidFill>
-                  <a:schemeClr val="lt1"/>
-                </a:solidFill>
-              </a:defRPr>
-            </a:lvl6pPr>
-            <a:lvl7pPr lvl="6">
-              <a:buNone/>
-              <a:defRPr>
-                <a:solidFill>
-                  <a:schemeClr val="lt1"/>
-                </a:solidFill>
-              </a:defRPr>
-            </a:lvl7pPr>
-            <a:lvl8pPr lvl="7">
-              <a:buNone/>
-              <a:defRPr>
-                <a:solidFill>
-                  <a:schemeClr val="lt1"/>
-                </a:solidFill>
-              </a:defRPr>
-            </a:lvl8pPr>
-            <a:lvl9pPr lvl="8">
-              <a:buNone/>
-              <a:defRPr>
-                <a:solidFill>
-                  <a:schemeClr val="lt1"/>
-                </a:solidFill>
-              </a:defRPr>
-            </a:lvl9pPr>
-          </a:lstStyle>
-          <a:p>
-            <a:pPr marL="0" lvl="0" indent="0" algn="r" rtl="0">
-              <a:spcBef>
-                <a:spcPts val="0"/>
-              </a:spcBef>
-              <a:spcAft>
-                <a:spcPts val="0"/>
-              </a:spcAft>
-              <a:buNone/>
-            </a:pPr>
-            <a:fld id="{00000000-1234-1234-1234-123412341234}" type="slidenum">
-              <a:rPr lang="ru"/>
-              <a:pPr marL="0" lvl="0" indent="0" algn="r" rtl="0">
-                <a:spcBef>
-                  <a:spcPts val="0"/>
-                </a:spcBef>
-                <a:spcAft>
-                  <a:spcPts val="0"/>
-                </a:spcAft>
-                <a:buNone/>
-              </a:pPr>
-              <a:t>‹#›</a:t>
-            </a:fld>
-            <a:endParaRPr/>
-          </a:p>
-        </p:txBody>
-      </p:sp>
-    </p:spTree>
-  </p:cSld>
-  <p:clrMapOvr>
-    <a:masterClrMapping/>
-  </p:clrMapOvr>
-  <mc:AlternateContent xmlns:mc="http://schemas.openxmlformats.org/markup-compatibility/2006">
-    <mc:Choice xmlns:p14="http://schemas.microsoft.com/office/powerpoint/2010/main" Requires="p14">
-      <p:transition spd="med" p14:dur="700">
-        <p:fade/>
-      </p:transition>
-    </mc:Choice>
-    <mc:Fallback>
-      <p:transition spd="med">
-        <p:fade/>
-      </p:transition>
-    </mc:Fallback>
-  </mc:AlternateContent>
-</p:sldLayout>
-</file>
-
-<file path=ppt/slideLayouts/slideLayout11.xml><?xml version="1.0" encoding="utf-8"?>
 <p:sldLayout xmlns:a="http://schemas.openxmlformats.org/drawingml/2006/main" xmlns:r="http://schemas.openxmlformats.org/officeDocument/2006/relationships" xmlns:p="http://schemas.openxmlformats.org/presentationml/2006/main" matchingName="Blank" type="blank">
   <p:cSld name="BLANK">
     <p:spTree>
@@ -2658,13 +2107,13 @@
   <p:clrMapOvr>
     <a:masterClrMapping/>
   </p:clrMapOvr>
-  <mc:AlternateContent xmlns:mc="http://schemas.openxmlformats.org/markup-compatibility/2006">
-    <mc:Choice xmlns:p14="http://schemas.microsoft.com/office/powerpoint/2010/main" Requires="p14">
+  <mc:AlternateContent xmlns:mc="http://schemas.openxmlformats.org/markup-compatibility/2006" xmlns:p14="http://schemas.microsoft.com/office/powerpoint/2010/main">
+    <mc:Choice Requires="p14">
       <p:transition spd="med" p14:dur="700">
         <p:fade/>
       </p:transition>
     </mc:Choice>
-    <mc:Fallback>
+    <mc:Fallback xmlns="">
       <p:transition spd="med">
         <p:fade/>
       </p:transition>
@@ -2674,388 +2123,6 @@
 </file>
 
 <file path=ppt/slideLayouts/slideLayout2.xml><?xml version="1.0" encoding="utf-8"?>
-<p:sldLayout xmlns:a="http://schemas.openxmlformats.org/drawingml/2006/main" xmlns:r="http://schemas.openxmlformats.org/officeDocument/2006/relationships" xmlns:p="http://schemas.openxmlformats.org/presentationml/2006/main" matchingName="Section header" type="secHead">
-  <p:cSld name="SECTION_HEADER">
-    <p:bg>
-      <p:bgPr>
-        <a:solidFill>
-          <a:schemeClr val="accent3"/>
-        </a:solidFill>
-        <a:effectLst/>
-      </p:bgPr>
-    </p:bg>
-    <p:spTree>
-      <p:nvGrpSpPr>
-        <p:cNvPr id="1" name="Shape 14"/>
-        <p:cNvGrpSpPr/>
-        <p:nvPr/>
-      </p:nvGrpSpPr>
-      <p:grpSpPr>
-        <a:xfrm>
-          <a:off x="0" y="0"/>
-          <a:ext cx="0" cy="0"/>
-          <a:chOff x="0" y="0"/>
-          <a:chExt cx="0" cy="0"/>
-        </a:xfrm>
-      </p:grpSpPr>
-      <p:sp>
-        <p:nvSpPr>
-          <p:cNvPr id="15" name="Google Shape;15;p3"/>
-          <p:cNvSpPr/>
-          <p:nvPr/>
-        </p:nvSpPr>
-        <p:spPr>
-          <a:xfrm>
-            <a:off x="0" y="48099"/>
-            <a:ext cx="9144250" cy="4398100"/>
-          </a:xfrm>
-          <a:custGeom>
-            <a:avLst/>
-            <a:gdLst/>
-            <a:ahLst/>
-            <a:cxnLst/>
-            <a:rect l="l" t="t" r="r" b="b"/>
-            <a:pathLst>
-              <a:path w="365770" h="175924" extrusionOk="0">
-                <a:moveTo>
-                  <a:pt x="0" y="0"/>
-                </a:moveTo>
-                <a:lnTo>
-                  <a:pt x="365770" y="0"/>
-                </a:lnTo>
-                <a:lnTo>
-                  <a:pt x="365760" y="70914"/>
-                </a:lnTo>
-                <a:lnTo>
-                  <a:pt x="0" y="175924"/>
-                </a:lnTo>
-                <a:close/>
-              </a:path>
-            </a:pathLst>
-          </a:custGeom>
-          <a:solidFill>
-            <a:schemeClr val="lt1"/>
-          </a:solidFill>
-          <a:ln>
-            <a:noFill/>
-          </a:ln>
-        </p:spPr>
-      </p:sp>
-      <p:sp>
-        <p:nvSpPr>
-          <p:cNvPr id="16" name="Google Shape;16;p3"/>
-          <p:cNvSpPr/>
-          <p:nvPr/>
-        </p:nvSpPr>
-        <p:spPr>
-          <a:xfrm>
-            <a:off x="0" y="0"/>
-            <a:ext cx="9144250" cy="4398100"/>
-          </a:xfrm>
-          <a:custGeom>
-            <a:avLst/>
-            <a:gdLst/>
-            <a:ahLst/>
-            <a:cxnLst/>
-            <a:rect l="l" t="t" r="r" b="b"/>
-            <a:pathLst>
-              <a:path w="365770" h="175924" extrusionOk="0">
-                <a:moveTo>
-                  <a:pt x="0" y="0"/>
-                </a:moveTo>
-                <a:lnTo>
-                  <a:pt x="365770" y="0"/>
-                </a:lnTo>
-                <a:lnTo>
-                  <a:pt x="365760" y="70914"/>
-                </a:lnTo>
-                <a:lnTo>
-                  <a:pt x="0" y="175924"/>
-                </a:lnTo>
-                <a:close/>
-              </a:path>
-            </a:pathLst>
-          </a:custGeom>
-          <a:solidFill>
-            <a:schemeClr val="accent3"/>
-          </a:solidFill>
-          <a:ln>
-            <a:noFill/>
-          </a:ln>
-        </p:spPr>
-      </p:sp>
-      <p:sp>
-        <p:nvSpPr>
-          <p:cNvPr id="17" name="Google Shape;17;p3"/>
-          <p:cNvSpPr txBox="1">
-            <a:spLocks noGrp="1"/>
-          </p:cNvSpPr>
-          <p:nvPr>
-            <p:ph type="title"/>
-          </p:nvPr>
-        </p:nvSpPr>
-        <p:spPr>
-          <a:xfrm>
-            <a:off x="311700" y="539725"/>
-            <a:ext cx="8520600" cy="1282500"/>
-          </a:xfrm>
-          <a:prstGeom prst="rect">
-            <a:avLst/>
-          </a:prstGeom>
-        </p:spPr>
-        <p:txBody>
-          <a:bodyPr spcFirstLastPara="1" wrap="square" lIns="91425" tIns="91425" rIns="91425" bIns="91425" anchor="t" anchorCtr="0"/>
-          <a:lstStyle>
-            <a:lvl1pPr lvl="0">
-              <a:spcBef>
-                <a:spcPts val="0"/>
-              </a:spcBef>
-              <a:spcAft>
-                <a:spcPts val="0"/>
-              </a:spcAft>
-              <a:buSzPts val="3600"/>
-              <a:buNone/>
-              <a:defRPr sz="3600"/>
-            </a:lvl1pPr>
-            <a:lvl2pPr lvl="1">
-              <a:spcBef>
-                <a:spcPts val="0"/>
-              </a:spcBef>
-              <a:spcAft>
-                <a:spcPts val="0"/>
-              </a:spcAft>
-              <a:buSzPts val="3600"/>
-              <a:buNone/>
-              <a:defRPr sz="3600"/>
-            </a:lvl2pPr>
-            <a:lvl3pPr lvl="2">
-              <a:spcBef>
-                <a:spcPts val="0"/>
-              </a:spcBef>
-              <a:spcAft>
-                <a:spcPts val="0"/>
-              </a:spcAft>
-              <a:buSzPts val="3600"/>
-              <a:buNone/>
-              <a:defRPr sz="3600"/>
-            </a:lvl3pPr>
-            <a:lvl4pPr lvl="3">
-              <a:spcBef>
-                <a:spcPts val="0"/>
-              </a:spcBef>
-              <a:spcAft>
-                <a:spcPts val="0"/>
-              </a:spcAft>
-              <a:buSzPts val="3600"/>
-              <a:buNone/>
-              <a:defRPr sz="3600"/>
-            </a:lvl4pPr>
-            <a:lvl5pPr lvl="4">
-              <a:spcBef>
-                <a:spcPts val="0"/>
-              </a:spcBef>
-              <a:spcAft>
-                <a:spcPts val="0"/>
-              </a:spcAft>
-              <a:buSzPts val="3600"/>
-              <a:buNone/>
-              <a:defRPr sz="3600"/>
-            </a:lvl5pPr>
-            <a:lvl6pPr lvl="5">
-              <a:spcBef>
-                <a:spcPts val="0"/>
-              </a:spcBef>
-              <a:spcAft>
-                <a:spcPts val="0"/>
-              </a:spcAft>
-              <a:buSzPts val="3600"/>
-              <a:buNone/>
-              <a:defRPr sz="3600"/>
-            </a:lvl6pPr>
-            <a:lvl7pPr lvl="6">
-              <a:spcBef>
-                <a:spcPts val="0"/>
-              </a:spcBef>
-              <a:spcAft>
-                <a:spcPts val="0"/>
-              </a:spcAft>
-              <a:buSzPts val="3600"/>
-              <a:buNone/>
-              <a:defRPr sz="3600"/>
-            </a:lvl7pPr>
-            <a:lvl8pPr lvl="7">
-              <a:spcBef>
-                <a:spcPts val="0"/>
-              </a:spcBef>
-              <a:spcAft>
-                <a:spcPts val="0"/>
-              </a:spcAft>
-              <a:buSzPts val="3600"/>
-              <a:buNone/>
-              <a:defRPr sz="3600"/>
-            </a:lvl8pPr>
-            <a:lvl9pPr lvl="8">
-              <a:spcBef>
-                <a:spcPts val="0"/>
-              </a:spcBef>
-              <a:spcAft>
-                <a:spcPts val="0"/>
-              </a:spcAft>
-              <a:buSzPts val="3600"/>
-              <a:buNone/>
-              <a:defRPr sz="3600"/>
-            </a:lvl9pPr>
-          </a:lstStyle>
-          <a:p>
-            <a:endParaRPr/>
-          </a:p>
-        </p:txBody>
-      </p:sp>
-      <p:sp>
-        <p:nvSpPr>
-          <p:cNvPr id="18" name="Google Shape;18;p3"/>
-          <p:cNvSpPr txBox="1">
-            <a:spLocks noGrp="1"/>
-          </p:cNvSpPr>
-          <p:nvPr>
-            <p:ph type="sldNum" idx="12"/>
-          </p:nvPr>
-        </p:nvSpPr>
-        <p:spPr>
-          <a:xfrm>
-            <a:off x="8472458" y="4663217"/>
-            <a:ext cx="548700" cy="393600"/>
-          </a:xfrm>
-          <a:prstGeom prst="rect">
-            <a:avLst/>
-          </a:prstGeom>
-        </p:spPr>
-        <p:txBody>
-          <a:bodyPr spcFirstLastPara="1" wrap="square" lIns="91425" tIns="91425" rIns="91425" bIns="91425" anchor="ctr" anchorCtr="0">
-            <a:noAutofit/>
-          </a:bodyPr>
-          <a:lstStyle>
-            <a:lvl1pPr lvl="0">
-              <a:buNone/>
-              <a:defRPr>
-                <a:solidFill>
-                  <a:schemeClr val="accent1"/>
-                </a:solidFill>
-              </a:defRPr>
-            </a:lvl1pPr>
-            <a:lvl2pPr lvl="1">
-              <a:buNone/>
-              <a:defRPr>
-                <a:solidFill>
-                  <a:schemeClr val="accent1"/>
-                </a:solidFill>
-              </a:defRPr>
-            </a:lvl2pPr>
-            <a:lvl3pPr lvl="2">
-              <a:buNone/>
-              <a:defRPr>
-                <a:solidFill>
-                  <a:schemeClr val="accent1"/>
-                </a:solidFill>
-              </a:defRPr>
-            </a:lvl3pPr>
-            <a:lvl4pPr lvl="3">
-              <a:buNone/>
-              <a:defRPr>
-                <a:solidFill>
-                  <a:schemeClr val="accent1"/>
-                </a:solidFill>
-              </a:defRPr>
-            </a:lvl4pPr>
-            <a:lvl5pPr lvl="4">
-              <a:buNone/>
-              <a:defRPr>
-                <a:solidFill>
-                  <a:schemeClr val="accent1"/>
-                </a:solidFill>
-              </a:defRPr>
-            </a:lvl5pPr>
-            <a:lvl6pPr lvl="5">
-              <a:buNone/>
-              <a:defRPr>
-                <a:solidFill>
-                  <a:schemeClr val="accent1"/>
-                </a:solidFill>
-              </a:defRPr>
-            </a:lvl6pPr>
-            <a:lvl7pPr lvl="6">
-              <a:buNone/>
-              <a:defRPr>
-                <a:solidFill>
-                  <a:schemeClr val="accent1"/>
-                </a:solidFill>
-              </a:defRPr>
-            </a:lvl7pPr>
-            <a:lvl8pPr lvl="7">
-              <a:buNone/>
-              <a:defRPr>
-                <a:solidFill>
-                  <a:schemeClr val="accent1"/>
-                </a:solidFill>
-              </a:defRPr>
-            </a:lvl8pPr>
-            <a:lvl9pPr lvl="8">
-              <a:buNone/>
-              <a:defRPr>
-                <a:solidFill>
-                  <a:schemeClr val="accent1"/>
-                </a:solidFill>
-              </a:defRPr>
-            </a:lvl9pPr>
-          </a:lstStyle>
-          <a:p>
-            <a:pPr marL="0" lvl="0" indent="0" algn="r" rtl="0">
-              <a:spcBef>
-                <a:spcPts val="0"/>
-              </a:spcBef>
-              <a:spcAft>
-                <a:spcPts val="0"/>
-              </a:spcAft>
-              <a:buNone/>
-            </a:pPr>
-            <a:fld id="{00000000-1234-1234-1234-123412341234}" type="slidenum">
-              <a:rPr lang="ru"/>
-              <a:pPr marL="0" lvl="0" indent="0" algn="r" rtl="0">
-                <a:spcBef>
-                  <a:spcPts val="0"/>
-                </a:spcBef>
-                <a:spcAft>
-                  <a:spcPts val="0"/>
-                </a:spcAft>
-                <a:buNone/>
-              </a:pPr>
-              <a:t>‹#›</a:t>
-            </a:fld>
-            <a:endParaRPr/>
-          </a:p>
-        </p:txBody>
-      </p:sp>
-    </p:spTree>
-  </p:cSld>
-  <p:clrMapOvr>
-    <a:masterClrMapping/>
-  </p:clrMapOvr>
-  <mc:AlternateContent xmlns:mc="http://schemas.openxmlformats.org/markup-compatibility/2006">
-    <mc:Choice xmlns:p14="http://schemas.microsoft.com/office/powerpoint/2010/main" Requires="p14">
-      <p:transition spd="med" p14:dur="700">
-        <p:fade/>
-      </p:transition>
-    </mc:Choice>
-    <mc:Fallback>
-      <p:transition spd="med">
-        <p:fade/>
-      </p:transition>
-    </mc:Fallback>
-  </mc:AlternateContent>
-</p:sldLayout>
-</file>
-
-<file path=ppt/slideLayouts/slideLayout3.xml><?xml version="1.0" encoding="utf-8"?>
 <p:sldLayout xmlns:a="http://schemas.openxmlformats.org/drawingml/2006/main" xmlns:r="http://schemas.openxmlformats.org/officeDocument/2006/relationships" xmlns:p="http://schemas.openxmlformats.org/presentationml/2006/main" matchingName="Title and body" type="tx">
   <p:cSld name="TITLE_AND_BODY">
     <p:spTree>
@@ -3608,13 +2675,13 @@
   <p:clrMapOvr>
     <a:masterClrMapping/>
   </p:clrMapOvr>
-  <mc:AlternateContent xmlns:mc="http://schemas.openxmlformats.org/markup-compatibility/2006">
-    <mc:Choice xmlns:p14="http://schemas.microsoft.com/office/powerpoint/2010/main" Requires="p14">
+  <mc:AlternateContent xmlns:mc="http://schemas.openxmlformats.org/markup-compatibility/2006" xmlns:p14="http://schemas.microsoft.com/office/powerpoint/2010/main">
+    <mc:Choice Requires="p14">
       <p:transition spd="med" p14:dur="700">
         <p:fade/>
       </p:transition>
     </mc:Choice>
-    <mc:Fallback>
+    <mc:Fallback xmlns="">
       <p:transition spd="med">
         <p:fade/>
       </p:transition>
@@ -3623,7 +2690,7 @@
 </p:sldLayout>
 </file>
 
-<file path=ppt/slideLayouts/slideLayout4.xml><?xml version="1.0" encoding="utf-8"?>
+<file path=ppt/slideLayouts/slideLayout3.xml><?xml version="1.0" encoding="utf-8"?>
 <p:sldLayout xmlns:a="http://schemas.openxmlformats.org/drawingml/2006/main" xmlns:r="http://schemas.openxmlformats.org/officeDocument/2006/relationships" xmlns:p="http://schemas.openxmlformats.org/presentationml/2006/main" matchingName="Title and two columns" type="twoColTx">
   <p:cSld name="TITLE_AND_TWO_COLUMNS">
     <p:spTree>
@@ -4217,13 +3284,13 @@
   <p:clrMapOvr>
     <a:masterClrMapping/>
   </p:clrMapOvr>
-  <mc:AlternateContent xmlns:mc="http://schemas.openxmlformats.org/markup-compatibility/2006">
-    <mc:Choice xmlns:p14="http://schemas.microsoft.com/office/powerpoint/2010/main" Requires="p14">
+  <mc:AlternateContent xmlns:mc="http://schemas.openxmlformats.org/markup-compatibility/2006" xmlns:p14="http://schemas.microsoft.com/office/powerpoint/2010/main">
+    <mc:Choice Requires="p14">
       <p:transition spd="med" p14:dur="700">
         <p:fade/>
       </p:transition>
     </mc:Choice>
-    <mc:Fallback>
+    <mc:Fallback xmlns="">
       <p:transition spd="med">
         <p:fade/>
       </p:transition>
@@ -4232,7 +3299,7 @@
 </p:sldLayout>
 </file>
 
-<file path=ppt/slideLayouts/slideLayout5.xml><?xml version="1.0" encoding="utf-8"?>
+<file path=ppt/slideLayouts/slideLayout4.xml><?xml version="1.0" encoding="utf-8"?>
 <p:sldLayout xmlns:a="http://schemas.openxmlformats.org/drawingml/2006/main" xmlns:r="http://schemas.openxmlformats.org/officeDocument/2006/relationships" xmlns:p="http://schemas.openxmlformats.org/presentationml/2006/main" matchingName="Title only" type="titleOnly">
   <p:cSld name="TITLE_ONLY">
     <p:spTree>
@@ -4572,13 +3639,13 @@
   <p:clrMapOvr>
     <a:masterClrMapping/>
   </p:clrMapOvr>
-  <mc:AlternateContent xmlns:mc="http://schemas.openxmlformats.org/markup-compatibility/2006">
-    <mc:Choice xmlns:p14="http://schemas.microsoft.com/office/powerpoint/2010/main" Requires="p14">
+  <mc:AlternateContent xmlns:mc="http://schemas.openxmlformats.org/markup-compatibility/2006" xmlns:p14="http://schemas.microsoft.com/office/powerpoint/2010/main">
+    <mc:Choice Requires="p14">
       <p:transition spd="med" p14:dur="700">
         <p:fade/>
       </p:transition>
     </mc:Choice>
-    <mc:Fallback>
+    <mc:Fallback xmlns="">
       <p:transition spd="med">
         <p:fade/>
       </p:transition>
@@ -4587,7 +3654,7 @@
 </p:sldLayout>
 </file>
 
-<file path=ppt/slideLayouts/slideLayout6.xml><?xml version="1.0" encoding="utf-8"?>
+<file path=ppt/slideLayouts/slideLayout5.xml><?xml version="1.0" encoding="utf-8"?>
 <p:sldLayout xmlns:a="http://schemas.openxmlformats.org/drawingml/2006/main" xmlns:r="http://schemas.openxmlformats.org/officeDocument/2006/relationships" xmlns:p="http://schemas.openxmlformats.org/presentationml/2006/main" matchingName="One column text">
   <p:cSld name="ONE_COLUMN_TEXT">
     <p:spTree>
@@ -5117,13 +4184,13 @@
   <p:clrMapOvr>
     <a:masterClrMapping/>
   </p:clrMapOvr>
-  <mc:AlternateContent xmlns:mc="http://schemas.openxmlformats.org/markup-compatibility/2006">
-    <mc:Choice xmlns:p14="http://schemas.microsoft.com/office/powerpoint/2010/main" Requires="p14">
+  <mc:AlternateContent xmlns:mc="http://schemas.openxmlformats.org/markup-compatibility/2006" xmlns:p14="http://schemas.microsoft.com/office/powerpoint/2010/main">
+    <mc:Choice Requires="p14">
       <p:transition spd="med" p14:dur="700">
         <p:fade/>
       </p:transition>
     </mc:Choice>
-    <mc:Fallback>
+    <mc:Fallback xmlns="">
       <p:transition spd="med">
         <p:fade/>
       </p:transition>
@@ -5132,7 +4199,7 @@
 </p:sldLayout>
 </file>
 
-<file path=ppt/slideLayouts/slideLayout7.xml><?xml version="1.0" encoding="utf-8"?>
+<file path=ppt/slideLayouts/slideLayout6.xml><?xml version="1.0" encoding="utf-8"?>
 <p:sldLayout xmlns:a="http://schemas.openxmlformats.org/drawingml/2006/main" xmlns:r="http://schemas.openxmlformats.org/officeDocument/2006/relationships" xmlns:p="http://schemas.openxmlformats.org/presentationml/2006/main" matchingName="Main point">
   <p:cSld name="MAIN_POINT">
     <p:bg>
@@ -5413,13 +4480,13 @@
   <p:clrMapOvr>
     <a:masterClrMapping/>
   </p:clrMapOvr>
-  <mc:AlternateContent xmlns:mc="http://schemas.openxmlformats.org/markup-compatibility/2006">
-    <mc:Choice xmlns:p14="http://schemas.microsoft.com/office/powerpoint/2010/main" Requires="p14">
+  <mc:AlternateContent xmlns:mc="http://schemas.openxmlformats.org/markup-compatibility/2006" xmlns:p14="http://schemas.microsoft.com/office/powerpoint/2010/main">
+    <mc:Choice Requires="p14">
       <p:transition spd="med" p14:dur="700">
         <p:fade/>
       </p:transition>
     </mc:Choice>
-    <mc:Fallback>
+    <mc:Fallback xmlns="">
       <p:transition spd="med">
         <p:fade/>
       </p:transition>
@@ -5428,7 +4495,7 @@
 </p:sldLayout>
 </file>
 
-<file path=ppt/slideLayouts/slideLayout8.xml><?xml version="1.0" encoding="utf-8"?>
+<file path=ppt/slideLayouts/slideLayout7.xml><?xml version="1.0" encoding="utf-8"?>
 <p:sldLayout xmlns:a="http://schemas.openxmlformats.org/drawingml/2006/main" xmlns:r="http://schemas.openxmlformats.org/officeDocument/2006/relationships" xmlns:p="http://schemas.openxmlformats.org/presentationml/2006/main" matchingName="Section title and description">
   <p:cSld name="SECTION_TITLE_AND_DESCRIPTION">
     <p:spTree>
@@ -6112,13 +5179,13 @@
   <p:clrMapOvr>
     <a:masterClrMapping/>
   </p:clrMapOvr>
-  <mc:AlternateContent xmlns:mc="http://schemas.openxmlformats.org/markup-compatibility/2006">
-    <mc:Choice xmlns:p14="http://schemas.microsoft.com/office/powerpoint/2010/main" Requires="p14">
+  <mc:AlternateContent xmlns:mc="http://schemas.openxmlformats.org/markup-compatibility/2006" xmlns:p14="http://schemas.microsoft.com/office/powerpoint/2010/main">
+    <mc:Choice Requires="p14">
       <p:transition spd="med" p14:dur="700">
         <p:fade/>
       </p:transition>
     </mc:Choice>
-    <mc:Fallback>
+    <mc:Fallback xmlns="">
       <p:transition spd="med">
         <p:fade/>
       </p:transition>
@@ -6127,7 +5194,7 @@
 </p:sldLayout>
 </file>
 
-<file path=ppt/slideLayouts/slideLayout9.xml><?xml version="1.0" encoding="utf-8"?>
+<file path=ppt/slideLayouts/slideLayout8.xml><?xml version="1.0" encoding="utf-8"?>
 <p:sldLayout xmlns:a="http://schemas.openxmlformats.org/drawingml/2006/main" xmlns:r="http://schemas.openxmlformats.org/officeDocument/2006/relationships" xmlns:p="http://schemas.openxmlformats.org/presentationml/2006/main" matchingName="Caption">
   <p:cSld name="CAPTION_ONLY">
     <p:spTree>
@@ -6367,13 +5434,564 @@
   <p:clrMapOvr>
     <a:masterClrMapping/>
   </p:clrMapOvr>
-  <mc:AlternateContent xmlns:mc="http://schemas.openxmlformats.org/markup-compatibility/2006">
-    <mc:Choice xmlns:p14="http://schemas.microsoft.com/office/powerpoint/2010/main" Requires="p14">
+  <mc:AlternateContent xmlns:mc="http://schemas.openxmlformats.org/markup-compatibility/2006" xmlns:p14="http://schemas.microsoft.com/office/powerpoint/2010/main">
+    <mc:Choice Requires="p14">
       <p:transition spd="med" p14:dur="700">
         <p:fade/>
       </p:transition>
     </mc:Choice>
-    <mc:Fallback>
+    <mc:Fallback xmlns="">
+      <p:transition spd="med">
+        <p:fade/>
+      </p:transition>
+    </mc:Fallback>
+  </mc:AlternateContent>
+</p:sldLayout>
+</file>
+
+<file path=ppt/slideLayouts/slideLayout9.xml><?xml version="1.0" encoding="utf-8"?>
+<p:sldLayout xmlns:a="http://schemas.openxmlformats.org/drawingml/2006/main" xmlns:r="http://schemas.openxmlformats.org/officeDocument/2006/relationships" xmlns:p="http://schemas.openxmlformats.org/presentationml/2006/main" matchingName="Big number">
+  <p:cSld name="BIG_NUMBER">
+    <p:bg>
+      <p:bgPr>
+        <a:solidFill>
+          <a:schemeClr val="dk1"/>
+        </a:solidFill>
+        <a:effectLst/>
+      </p:bgPr>
+    </p:bg>
+    <p:spTree>
+      <p:nvGrpSpPr>
+        <p:cNvPr id="1" name="Shape 54"/>
+        <p:cNvGrpSpPr/>
+        <p:nvPr/>
+      </p:nvGrpSpPr>
+      <p:grpSpPr>
+        <a:xfrm>
+          <a:off x="0" y="0"/>
+          <a:ext cx="0" cy="0"/>
+          <a:chOff x="0" y="0"/>
+          <a:chExt cx="0" cy="0"/>
+        </a:xfrm>
+      </p:grpSpPr>
+      <p:sp>
+        <p:nvSpPr>
+          <p:cNvPr id="55" name="Google Shape;55;p11"/>
+          <p:cNvSpPr txBox="1">
+            <a:spLocks noGrp="1"/>
+          </p:cNvSpPr>
+          <p:nvPr>
+            <p:ph type="title" hasCustomPrompt="1"/>
+          </p:nvPr>
+        </p:nvSpPr>
+        <p:spPr>
+          <a:xfrm>
+            <a:off x="311750" y="831175"/>
+            <a:ext cx="5334900" cy="1244700"/>
+          </a:xfrm>
+          <a:prstGeom prst="rect">
+            <a:avLst/>
+          </a:prstGeom>
+        </p:spPr>
+        <p:txBody>
+          <a:bodyPr spcFirstLastPara="1" wrap="square" lIns="91425" tIns="91425" rIns="91425" bIns="91425" anchor="b" anchorCtr="0"/>
+          <a:lstStyle>
+            <a:lvl1pPr lvl="0">
+              <a:spcBef>
+                <a:spcPts val="0"/>
+              </a:spcBef>
+              <a:spcAft>
+                <a:spcPts val="0"/>
+              </a:spcAft>
+              <a:buClr>
+                <a:schemeClr val="lt1"/>
+              </a:buClr>
+              <a:buSzPts val="10000"/>
+              <a:buNone/>
+              <a:defRPr sz="10000">
+                <a:solidFill>
+                  <a:schemeClr val="lt1"/>
+                </a:solidFill>
+              </a:defRPr>
+            </a:lvl1pPr>
+            <a:lvl2pPr lvl="1">
+              <a:spcBef>
+                <a:spcPts val="0"/>
+              </a:spcBef>
+              <a:spcAft>
+                <a:spcPts val="0"/>
+              </a:spcAft>
+              <a:buClr>
+                <a:schemeClr val="lt1"/>
+              </a:buClr>
+              <a:buSzPts val="10000"/>
+              <a:buNone/>
+              <a:defRPr sz="10000">
+                <a:solidFill>
+                  <a:schemeClr val="lt1"/>
+                </a:solidFill>
+              </a:defRPr>
+            </a:lvl2pPr>
+            <a:lvl3pPr lvl="2">
+              <a:spcBef>
+                <a:spcPts val="0"/>
+              </a:spcBef>
+              <a:spcAft>
+                <a:spcPts val="0"/>
+              </a:spcAft>
+              <a:buClr>
+                <a:schemeClr val="lt1"/>
+              </a:buClr>
+              <a:buSzPts val="10000"/>
+              <a:buNone/>
+              <a:defRPr sz="10000">
+                <a:solidFill>
+                  <a:schemeClr val="lt1"/>
+                </a:solidFill>
+              </a:defRPr>
+            </a:lvl3pPr>
+            <a:lvl4pPr lvl="3">
+              <a:spcBef>
+                <a:spcPts val="0"/>
+              </a:spcBef>
+              <a:spcAft>
+                <a:spcPts val="0"/>
+              </a:spcAft>
+              <a:buClr>
+                <a:schemeClr val="lt1"/>
+              </a:buClr>
+              <a:buSzPts val="10000"/>
+              <a:buNone/>
+              <a:defRPr sz="10000">
+                <a:solidFill>
+                  <a:schemeClr val="lt1"/>
+                </a:solidFill>
+              </a:defRPr>
+            </a:lvl4pPr>
+            <a:lvl5pPr lvl="4">
+              <a:spcBef>
+                <a:spcPts val="0"/>
+              </a:spcBef>
+              <a:spcAft>
+                <a:spcPts val="0"/>
+              </a:spcAft>
+              <a:buClr>
+                <a:schemeClr val="lt1"/>
+              </a:buClr>
+              <a:buSzPts val="10000"/>
+              <a:buNone/>
+              <a:defRPr sz="10000">
+                <a:solidFill>
+                  <a:schemeClr val="lt1"/>
+                </a:solidFill>
+              </a:defRPr>
+            </a:lvl5pPr>
+            <a:lvl6pPr lvl="5">
+              <a:spcBef>
+                <a:spcPts val="0"/>
+              </a:spcBef>
+              <a:spcAft>
+                <a:spcPts val="0"/>
+              </a:spcAft>
+              <a:buClr>
+                <a:schemeClr val="lt1"/>
+              </a:buClr>
+              <a:buSzPts val="10000"/>
+              <a:buNone/>
+              <a:defRPr sz="10000">
+                <a:solidFill>
+                  <a:schemeClr val="lt1"/>
+                </a:solidFill>
+              </a:defRPr>
+            </a:lvl6pPr>
+            <a:lvl7pPr lvl="6">
+              <a:spcBef>
+                <a:spcPts val="0"/>
+              </a:spcBef>
+              <a:spcAft>
+                <a:spcPts val="0"/>
+              </a:spcAft>
+              <a:buClr>
+                <a:schemeClr val="lt1"/>
+              </a:buClr>
+              <a:buSzPts val="10000"/>
+              <a:buNone/>
+              <a:defRPr sz="10000">
+                <a:solidFill>
+                  <a:schemeClr val="lt1"/>
+                </a:solidFill>
+              </a:defRPr>
+            </a:lvl7pPr>
+            <a:lvl8pPr lvl="7">
+              <a:spcBef>
+                <a:spcPts val="0"/>
+              </a:spcBef>
+              <a:spcAft>
+                <a:spcPts val="0"/>
+              </a:spcAft>
+              <a:buClr>
+                <a:schemeClr val="lt1"/>
+              </a:buClr>
+              <a:buSzPts val="10000"/>
+              <a:buNone/>
+              <a:defRPr sz="10000">
+                <a:solidFill>
+                  <a:schemeClr val="lt1"/>
+                </a:solidFill>
+              </a:defRPr>
+            </a:lvl8pPr>
+            <a:lvl9pPr lvl="8">
+              <a:spcBef>
+                <a:spcPts val="0"/>
+              </a:spcBef>
+              <a:spcAft>
+                <a:spcPts val="0"/>
+              </a:spcAft>
+              <a:buClr>
+                <a:schemeClr val="lt1"/>
+              </a:buClr>
+              <a:buSzPts val="10000"/>
+              <a:buNone/>
+              <a:defRPr sz="10000">
+                <a:solidFill>
+                  <a:schemeClr val="lt1"/>
+                </a:solidFill>
+              </a:defRPr>
+            </a:lvl9pPr>
+          </a:lstStyle>
+          <a:p>
+            <a:r>
+              <a:t>xx%</a:t>
+            </a:r>
+          </a:p>
+        </p:txBody>
+      </p:sp>
+      <p:sp>
+        <p:nvSpPr>
+          <p:cNvPr id="56" name="Google Shape;56;p11"/>
+          <p:cNvSpPr txBox="1">
+            <a:spLocks noGrp="1"/>
+          </p:cNvSpPr>
+          <p:nvPr>
+            <p:ph type="body" idx="1"/>
+          </p:nvPr>
+        </p:nvSpPr>
+        <p:spPr>
+          <a:xfrm>
+            <a:off x="311700" y="2121425"/>
+            <a:ext cx="5334900" cy="942600"/>
+          </a:xfrm>
+          <a:prstGeom prst="rect">
+            <a:avLst/>
+          </a:prstGeom>
+        </p:spPr>
+        <p:txBody>
+          <a:bodyPr spcFirstLastPara="1" wrap="square" lIns="91425" tIns="91425" rIns="91425" bIns="91425" anchor="t" anchorCtr="0"/>
+          <a:lstStyle>
+            <a:lvl1pPr marL="457200" lvl="0" indent="-311150">
+              <a:spcBef>
+                <a:spcPts val="0"/>
+              </a:spcBef>
+              <a:spcAft>
+                <a:spcPts val="0"/>
+              </a:spcAft>
+              <a:buClr>
+                <a:schemeClr val="accent2"/>
+              </a:buClr>
+              <a:buSzPts val="1300"/>
+              <a:buChar char="●"/>
+              <a:defRPr>
+                <a:solidFill>
+                  <a:schemeClr val="accent2"/>
+                </a:solidFill>
+              </a:defRPr>
+            </a:lvl1pPr>
+            <a:lvl2pPr marL="914400" lvl="1" indent="-298450">
+              <a:spcBef>
+                <a:spcPts val="1600"/>
+              </a:spcBef>
+              <a:spcAft>
+                <a:spcPts val="0"/>
+              </a:spcAft>
+              <a:buClr>
+                <a:schemeClr val="accent2"/>
+              </a:buClr>
+              <a:buSzPts val="1100"/>
+              <a:buChar char="○"/>
+              <a:defRPr>
+                <a:solidFill>
+                  <a:schemeClr val="accent2"/>
+                </a:solidFill>
+              </a:defRPr>
+            </a:lvl2pPr>
+            <a:lvl3pPr marL="1371600" lvl="2" indent="-298450">
+              <a:spcBef>
+                <a:spcPts val="1600"/>
+              </a:spcBef>
+              <a:spcAft>
+                <a:spcPts val="0"/>
+              </a:spcAft>
+              <a:buClr>
+                <a:schemeClr val="accent2"/>
+              </a:buClr>
+              <a:buSzPts val="1100"/>
+              <a:buChar char="■"/>
+              <a:defRPr>
+                <a:solidFill>
+                  <a:schemeClr val="accent2"/>
+                </a:solidFill>
+              </a:defRPr>
+            </a:lvl3pPr>
+            <a:lvl4pPr marL="1828800" lvl="3" indent="-298450">
+              <a:spcBef>
+                <a:spcPts val="1600"/>
+              </a:spcBef>
+              <a:spcAft>
+                <a:spcPts val="0"/>
+              </a:spcAft>
+              <a:buClr>
+                <a:schemeClr val="accent2"/>
+              </a:buClr>
+              <a:buSzPts val="1100"/>
+              <a:buChar char="●"/>
+              <a:defRPr>
+                <a:solidFill>
+                  <a:schemeClr val="accent2"/>
+                </a:solidFill>
+              </a:defRPr>
+            </a:lvl4pPr>
+            <a:lvl5pPr marL="2286000" lvl="4" indent="-298450">
+              <a:spcBef>
+                <a:spcPts val="1600"/>
+              </a:spcBef>
+              <a:spcAft>
+                <a:spcPts val="0"/>
+              </a:spcAft>
+              <a:buClr>
+                <a:schemeClr val="accent2"/>
+              </a:buClr>
+              <a:buSzPts val="1100"/>
+              <a:buChar char="○"/>
+              <a:defRPr>
+                <a:solidFill>
+                  <a:schemeClr val="accent2"/>
+                </a:solidFill>
+              </a:defRPr>
+            </a:lvl5pPr>
+            <a:lvl6pPr marL="2743200" lvl="5" indent="-298450">
+              <a:spcBef>
+                <a:spcPts val="1600"/>
+              </a:spcBef>
+              <a:spcAft>
+                <a:spcPts val="0"/>
+              </a:spcAft>
+              <a:buClr>
+                <a:schemeClr val="accent2"/>
+              </a:buClr>
+              <a:buSzPts val="1100"/>
+              <a:buChar char="■"/>
+              <a:defRPr>
+                <a:solidFill>
+                  <a:schemeClr val="accent2"/>
+                </a:solidFill>
+              </a:defRPr>
+            </a:lvl6pPr>
+            <a:lvl7pPr marL="3200400" lvl="6" indent="-298450">
+              <a:spcBef>
+                <a:spcPts val="1600"/>
+              </a:spcBef>
+              <a:spcAft>
+                <a:spcPts val="0"/>
+              </a:spcAft>
+              <a:buClr>
+                <a:schemeClr val="accent2"/>
+              </a:buClr>
+              <a:buSzPts val="1100"/>
+              <a:buChar char="●"/>
+              <a:defRPr>
+                <a:solidFill>
+                  <a:schemeClr val="accent2"/>
+                </a:solidFill>
+              </a:defRPr>
+            </a:lvl7pPr>
+            <a:lvl8pPr marL="3657600" lvl="7" indent="-298450">
+              <a:spcBef>
+                <a:spcPts val="1600"/>
+              </a:spcBef>
+              <a:spcAft>
+                <a:spcPts val="0"/>
+              </a:spcAft>
+              <a:buClr>
+                <a:schemeClr val="accent2"/>
+              </a:buClr>
+              <a:buSzPts val="1100"/>
+              <a:buChar char="○"/>
+              <a:defRPr>
+                <a:solidFill>
+                  <a:schemeClr val="accent2"/>
+                </a:solidFill>
+              </a:defRPr>
+            </a:lvl8pPr>
+            <a:lvl9pPr marL="4114800" lvl="8" indent="-298450">
+              <a:spcBef>
+                <a:spcPts val="1600"/>
+              </a:spcBef>
+              <a:spcAft>
+                <a:spcPts val="1600"/>
+              </a:spcAft>
+              <a:buClr>
+                <a:schemeClr val="accent2"/>
+              </a:buClr>
+              <a:buSzPts val="1100"/>
+              <a:buChar char="■"/>
+              <a:defRPr>
+                <a:solidFill>
+                  <a:schemeClr val="accent2"/>
+                </a:solidFill>
+              </a:defRPr>
+            </a:lvl9pPr>
+          </a:lstStyle>
+          <a:p>
+            <a:endParaRPr/>
+          </a:p>
+        </p:txBody>
+      </p:sp>
+      <p:sp>
+        <p:nvSpPr>
+          <p:cNvPr id="57" name="Google Shape;57;p11"/>
+          <p:cNvSpPr txBox="1">
+            <a:spLocks noGrp="1"/>
+          </p:cNvSpPr>
+          <p:nvPr>
+            <p:ph type="sldNum" idx="12"/>
+          </p:nvPr>
+        </p:nvSpPr>
+        <p:spPr>
+          <a:xfrm>
+            <a:off x="8472458" y="4663217"/>
+            <a:ext cx="548700" cy="393600"/>
+          </a:xfrm>
+          <a:prstGeom prst="rect">
+            <a:avLst/>
+          </a:prstGeom>
+        </p:spPr>
+        <p:txBody>
+          <a:bodyPr spcFirstLastPara="1" wrap="square" lIns="91425" tIns="91425" rIns="91425" bIns="91425" anchor="ctr" anchorCtr="0">
+            <a:noAutofit/>
+          </a:bodyPr>
+          <a:lstStyle>
+            <a:lvl1pPr lvl="0">
+              <a:buNone/>
+              <a:defRPr>
+                <a:solidFill>
+                  <a:schemeClr val="lt1"/>
+                </a:solidFill>
+              </a:defRPr>
+            </a:lvl1pPr>
+            <a:lvl2pPr lvl="1">
+              <a:buNone/>
+              <a:defRPr>
+                <a:solidFill>
+                  <a:schemeClr val="lt1"/>
+                </a:solidFill>
+              </a:defRPr>
+            </a:lvl2pPr>
+            <a:lvl3pPr lvl="2">
+              <a:buNone/>
+              <a:defRPr>
+                <a:solidFill>
+                  <a:schemeClr val="lt1"/>
+                </a:solidFill>
+              </a:defRPr>
+            </a:lvl3pPr>
+            <a:lvl4pPr lvl="3">
+              <a:buNone/>
+              <a:defRPr>
+                <a:solidFill>
+                  <a:schemeClr val="lt1"/>
+                </a:solidFill>
+              </a:defRPr>
+            </a:lvl4pPr>
+            <a:lvl5pPr lvl="4">
+              <a:buNone/>
+              <a:defRPr>
+                <a:solidFill>
+                  <a:schemeClr val="lt1"/>
+                </a:solidFill>
+              </a:defRPr>
+            </a:lvl5pPr>
+            <a:lvl6pPr lvl="5">
+              <a:buNone/>
+              <a:defRPr>
+                <a:solidFill>
+                  <a:schemeClr val="lt1"/>
+                </a:solidFill>
+              </a:defRPr>
+            </a:lvl6pPr>
+            <a:lvl7pPr lvl="6">
+              <a:buNone/>
+              <a:defRPr>
+                <a:solidFill>
+                  <a:schemeClr val="lt1"/>
+                </a:solidFill>
+              </a:defRPr>
+            </a:lvl7pPr>
+            <a:lvl8pPr lvl="7">
+              <a:buNone/>
+              <a:defRPr>
+                <a:solidFill>
+                  <a:schemeClr val="lt1"/>
+                </a:solidFill>
+              </a:defRPr>
+            </a:lvl8pPr>
+            <a:lvl9pPr lvl="8">
+              <a:buNone/>
+              <a:defRPr>
+                <a:solidFill>
+                  <a:schemeClr val="lt1"/>
+                </a:solidFill>
+              </a:defRPr>
+            </a:lvl9pPr>
+          </a:lstStyle>
+          <a:p>
+            <a:pPr marL="0" lvl="0" indent="0" algn="r" rtl="0">
+              <a:spcBef>
+                <a:spcPts val="0"/>
+              </a:spcBef>
+              <a:spcAft>
+                <a:spcPts val="0"/>
+              </a:spcAft>
+              <a:buNone/>
+            </a:pPr>
+            <a:fld id="{00000000-1234-1234-1234-123412341234}" type="slidenum">
+              <a:rPr lang="ru"/>
+              <a:pPr marL="0" lvl="0" indent="0" algn="r" rtl="0">
+                <a:spcBef>
+                  <a:spcPts val="0"/>
+                </a:spcBef>
+                <a:spcAft>
+                  <a:spcPts val="0"/>
+                </a:spcAft>
+                <a:buNone/>
+              </a:pPr>
+              <a:t>‹#›</a:t>
+            </a:fld>
+            <a:endParaRPr/>
+          </a:p>
+        </p:txBody>
+      </p:sp>
+    </p:spTree>
+  </p:cSld>
+  <p:clrMapOvr>
+    <a:masterClrMapping/>
+  </p:clrMapOvr>
+  <mc:AlternateContent xmlns:mc="http://schemas.openxmlformats.org/markup-compatibility/2006" xmlns:p14="http://schemas.microsoft.com/office/powerpoint/2010/main">
+    <mc:Choice Requires="p14">
+      <p:transition spd="med" p14:dur="700">
+        <p:fade/>
+      </p:transition>
+    </mc:Choice>
+    <mc:Fallback xmlns="">
       <p:transition spd="med">
         <p:fade/>
       </p:transition>
@@ -7081,24 +6699,23 @@
   <p:clrMap bg1="lt1" tx1="dk1" bg2="dk2" tx2="lt2" accent1="accent1" accent2="accent2" accent3="accent3" accent4="accent4" accent5="accent5" accent6="accent6" hlink="hlink" folHlink="folHlink"/>
   <p:sldLayoutIdLst>
     <p:sldLayoutId id="2147483648" r:id="rId1"/>
-    <p:sldLayoutId id="2147483649" r:id="rId2"/>
-    <p:sldLayoutId id="2147483650" r:id="rId3"/>
-    <p:sldLayoutId id="2147483651" r:id="rId4"/>
-    <p:sldLayoutId id="2147483652" r:id="rId5"/>
-    <p:sldLayoutId id="2147483653" r:id="rId6"/>
-    <p:sldLayoutId id="2147483654" r:id="rId7"/>
-    <p:sldLayoutId id="2147483655" r:id="rId8"/>
-    <p:sldLayoutId id="2147483656" r:id="rId9"/>
-    <p:sldLayoutId id="2147483657" r:id="rId10"/>
-    <p:sldLayoutId id="2147483658" r:id="rId11"/>
+    <p:sldLayoutId id="2147483650" r:id="rId2"/>
+    <p:sldLayoutId id="2147483651" r:id="rId3"/>
+    <p:sldLayoutId id="2147483652" r:id="rId4"/>
+    <p:sldLayoutId id="2147483653" r:id="rId5"/>
+    <p:sldLayoutId id="2147483654" r:id="rId6"/>
+    <p:sldLayoutId id="2147483655" r:id="rId7"/>
+    <p:sldLayoutId id="2147483656" r:id="rId8"/>
+    <p:sldLayoutId id="2147483657" r:id="rId9"/>
+    <p:sldLayoutId id="2147483658" r:id="rId10"/>
   </p:sldLayoutIdLst>
-  <mc:AlternateContent xmlns:mc="http://schemas.openxmlformats.org/markup-compatibility/2006">
-    <mc:Choice xmlns:p14="http://schemas.microsoft.com/office/powerpoint/2010/main" Requires="p14">
+  <mc:AlternateContent xmlns:mc="http://schemas.openxmlformats.org/markup-compatibility/2006" xmlns:p14="http://schemas.microsoft.com/office/powerpoint/2010/main">
+    <mc:Choice Requires="p14">
       <p:transition spd="med" p14:dur="700">
         <p:fade/>
       </p:transition>
     </mc:Choice>
-    <mc:Fallback>
+    <mc:Fallback xmlns="">
       <p:transition spd="med">
         <p:fade/>
       </p:transition>
@@ -7911,13 +7528,13 @@
   <p:clrMapOvr>
     <a:masterClrMapping/>
   </p:clrMapOvr>
-  <mc:AlternateContent xmlns:mc="http://schemas.openxmlformats.org/markup-compatibility/2006">
-    <mc:Choice xmlns:p14="http://schemas.microsoft.com/office/powerpoint/2010/main" Requires="p14">
+  <mc:AlternateContent xmlns:mc="http://schemas.openxmlformats.org/markup-compatibility/2006" xmlns:p14="http://schemas.microsoft.com/office/powerpoint/2010/main">
+    <mc:Choice Requires="p14">
       <p:transition spd="med" p14:dur="700">
         <p:fade/>
       </p:transition>
     </mc:Choice>
-    <mc:Fallback>
+    <mc:Fallback xmlns="">
       <p:transition spd="med">
         <p:fade/>
       </p:transition>
@@ -8016,13 +7633,13 @@
   <p:clrMapOvr>
     <a:masterClrMapping/>
   </p:clrMapOvr>
-  <mc:AlternateContent xmlns:mc="http://schemas.openxmlformats.org/markup-compatibility/2006">
-    <mc:Choice xmlns:p14="http://schemas.microsoft.com/office/powerpoint/2010/main" Requires="p14">
+  <mc:AlternateContent xmlns:mc="http://schemas.openxmlformats.org/markup-compatibility/2006" xmlns:p14="http://schemas.microsoft.com/office/powerpoint/2010/main">
+    <mc:Choice Requires="p14">
       <p:transition spd="med" p14:dur="700">
         <p:fade/>
       </p:transition>
     </mc:Choice>
-    <mc:Fallback>
+    <mc:Fallback xmlns="">
       <p:transition spd="med">
         <p:fade/>
       </p:transition>
@@ -8032,237 +7649,6 @@
 </file>
 
 <file path=ppt/slides/slide2.xml><?xml version="1.0" encoding="utf-8"?>
-<p:sld xmlns:a="http://schemas.openxmlformats.org/drawingml/2006/main" xmlns:r="http://schemas.openxmlformats.org/officeDocument/2006/relationships" xmlns:p="http://schemas.openxmlformats.org/presentationml/2006/main">
-  <p:cSld>
-    <p:spTree>
-      <p:nvGrpSpPr>
-        <p:cNvPr id="1" name=""/>
-        <p:cNvGrpSpPr/>
-        <p:nvPr/>
-      </p:nvGrpSpPr>
-      <p:grpSpPr>
-        <a:xfrm>
-          <a:off x="0" y="0"/>
-          <a:ext cx="0" cy="0"/>
-          <a:chOff x="0" y="0"/>
-          <a:chExt cx="0" cy="0"/>
-        </a:xfrm>
-      </p:grpSpPr>
-      <p:sp>
-        <p:nvSpPr>
-          <p:cNvPr id="2" name="Заголовок 1"/>
-          <p:cNvSpPr>
-            <a:spLocks noGrp="1"/>
-          </p:cNvSpPr>
-          <p:nvPr>
-            <p:ph type="title"/>
-          </p:nvPr>
-        </p:nvSpPr>
-        <p:spPr>
-          <a:xfrm>
-            <a:off x="179512" y="65114"/>
-            <a:ext cx="8520600" cy="1282500"/>
-          </a:xfrm>
-        </p:spPr>
-        <p:txBody>
-          <a:bodyPr/>
-          <a:lstStyle/>
-          <a:p>
-            <a:r>
-              <a:rPr lang="ru-RU" dirty="0" smtClean="0"/>
-              <a:t>Язык программирования </a:t>
-            </a:r>
-            <a:r>
-              <a:rPr lang="en-US" dirty="0" smtClean="0"/>
-              <a:t>Python</a:t>
-            </a:r>
-            <a:endParaRPr lang="ru-RU" dirty="0"/>
-          </a:p>
-        </p:txBody>
-      </p:sp>
-      <p:sp>
-        <p:nvSpPr>
-          <p:cNvPr id="3" name="Прямоугольник 2"/>
-          <p:cNvSpPr/>
-          <p:nvPr/>
-        </p:nvSpPr>
-        <p:spPr>
-          <a:xfrm>
-            <a:off x="107504" y="843558"/>
-            <a:ext cx="8550696" cy="1384995"/>
-          </a:xfrm>
-          <a:prstGeom prst="rect">
-            <a:avLst/>
-          </a:prstGeom>
-        </p:spPr>
-        <p:txBody>
-          <a:bodyPr wrap="square">
-            <a:spAutoFit/>
-          </a:bodyPr>
-          <a:lstStyle/>
-          <a:p>
-            <a:r>
-              <a:rPr lang="ru-RU" dirty="0" err="1"/>
-              <a:t>Python</a:t>
-            </a:r>
-            <a:r>
-              <a:rPr lang="ru-RU" dirty="0"/>
-              <a:t> — стабильный и распространённый язык. Он используется во многих проектах и в различных качествах: как основной язык программирования или для создания расширений и интеграции приложений. На </a:t>
-            </a:r>
-            <a:r>
-              <a:rPr lang="ru-RU" dirty="0" err="1"/>
-              <a:t>Python</a:t>
-            </a:r>
-            <a:r>
-              <a:rPr lang="ru-RU" dirty="0"/>
-              <a:t> реализовано большое количество проектов, также он активно используется для создания прототипов будущих программ. </a:t>
-            </a:r>
-            <a:r>
-              <a:rPr lang="ru-RU" dirty="0" err="1"/>
-              <a:t>Python</a:t>
-            </a:r>
-            <a:r>
-              <a:rPr lang="ru-RU" dirty="0"/>
-              <a:t> используется во многих крупных </a:t>
-            </a:r>
-            <a:r>
-              <a:rPr lang="ru-RU" dirty="0" smtClean="0"/>
-              <a:t>компаниях: </a:t>
-            </a:r>
-            <a:r>
-              <a:rPr lang="ru-RU" dirty="0" err="1"/>
-              <a:t>Dropbox</a:t>
-            </a:r>
-            <a:r>
-              <a:rPr lang="ru-RU" dirty="0"/>
-              <a:t>, </a:t>
-            </a:r>
-            <a:r>
-              <a:rPr lang="ru-RU" dirty="0" err="1"/>
-              <a:t>Google</a:t>
-            </a:r>
-            <a:r>
-              <a:rPr lang="ru-RU" dirty="0"/>
-              <a:t> (например некоторые части </a:t>
-            </a:r>
-            <a:r>
-              <a:rPr lang="ru-RU" dirty="0" err="1"/>
-              <a:t>Youtube</a:t>
-            </a:r>
-            <a:r>
-              <a:rPr lang="ru-RU" dirty="0"/>
-              <a:t> и </a:t>
-            </a:r>
-            <a:r>
-              <a:rPr lang="ru-RU" dirty="0" err="1"/>
-              <a:t>Youtube</a:t>
-            </a:r>
-            <a:r>
-              <a:rPr lang="ru-RU" dirty="0"/>
-              <a:t> API написаны на </a:t>
-            </a:r>
-            <a:r>
-              <a:rPr lang="ru-RU" dirty="0" err="1" smtClean="0"/>
-              <a:t>Python</a:t>
-            </a:r>
-            <a:r>
-              <a:rPr lang="ru-RU" dirty="0" smtClean="0"/>
-              <a:t>), </a:t>
-            </a:r>
-            <a:r>
-              <a:rPr lang="ru-RU" dirty="0" err="1" smtClean="0"/>
-              <a:t>Facebook</a:t>
-            </a:r>
-            <a:r>
-              <a:rPr lang="ru-RU" dirty="0" smtClean="0"/>
-              <a:t>, </a:t>
-            </a:r>
-            <a:r>
-              <a:rPr lang="ru-RU" dirty="0" err="1" smtClean="0"/>
-              <a:t>Instagram</a:t>
-            </a:r>
-            <a:r>
-              <a:rPr lang="ru-RU" dirty="0" smtClean="0"/>
-              <a:t>.</a:t>
-            </a:r>
-            <a:endParaRPr lang="ru-RU" dirty="0"/>
-          </a:p>
-        </p:txBody>
-      </p:sp>
-      <p:pic>
-        <p:nvPicPr>
-          <p:cNvPr id="1028" name="Picture 4" descr="Python logo and wordmark.svg"/>
-          <p:cNvPicPr>
-            <a:picLocks noChangeAspect="1" noChangeArrowheads="1"/>
-          </p:cNvPicPr>
-          <p:nvPr/>
-        </p:nvPicPr>
-        <p:blipFill>
-          <a:blip r:embed="rId2">
-            <a:extLst>
-              <a:ext uri="{28A0092B-C50C-407E-A947-70E740481C1C}">
-                <a14:useLocalDpi xmlns:a14="http://schemas.microsoft.com/office/drawing/2010/main" val="0"/>
-              </a:ext>
-            </a:extLst>
-          </a:blip>
-          <a:srcRect/>
-          <a:stretch>
-            <a:fillRect/>
-          </a:stretch>
-        </p:blipFill>
-        <p:spPr bwMode="auto">
-          <a:xfrm>
-            <a:off x="3635896" y="3435846"/>
-            <a:ext cx="5365104" cy="1589971"/>
-          </a:xfrm>
-          <a:prstGeom prst="rect">
-            <a:avLst/>
-          </a:prstGeom>
-          <a:noFill/>
-          <a:extLst>
-            <a:ext uri="{909E8E84-426E-40DD-AFC4-6F175D3DCCD1}">
-              <a14:hiddenFill xmlns:a14="http://schemas.microsoft.com/office/drawing/2010/main">
-                <a:solidFill>
-                  <a:srgbClr val="FFFFFF"/>
-                </a:solidFill>
-              </a14:hiddenFill>
-            </a:ext>
-          </a:extLst>
-        </p:spPr>
-      </p:pic>
-    </p:spTree>
-    <p:extLst>
-      <p:ext uri="{BB962C8B-B14F-4D97-AF65-F5344CB8AC3E}">
-        <p14:creationId xmlns:p14="http://schemas.microsoft.com/office/powerpoint/2010/main" val="471311380"/>
-      </p:ext>
-    </p:extLst>
-  </p:cSld>
-  <p:clrMapOvr>
-    <a:masterClrMapping/>
-  </p:clrMapOvr>
-  <mc:AlternateContent xmlns:mc="http://schemas.openxmlformats.org/markup-compatibility/2006">
-    <mc:Choice xmlns:p14="http://schemas.microsoft.com/office/powerpoint/2010/main" Requires="p14">
-      <p:transition spd="med" p14:dur="700">
-        <p:fade/>
-      </p:transition>
-    </mc:Choice>
-    <mc:Fallback>
-      <p:transition spd="med">
-        <p:fade/>
-      </p:transition>
-    </mc:Fallback>
-  </mc:AlternateContent>
-  <p:timing>
-    <p:tnLst>
-      <p:par>
-        <p:cTn id="1" dur="indefinite" restart="never" nodeType="tmRoot"/>
-      </p:par>
-    </p:tnLst>
-  </p:timing>
-</p:sld>
-</file>
-
-<file path=ppt/slides/slide3.xml><?xml version="1.0" encoding="utf-8"?>
 <p:sld xmlns:a="http://schemas.openxmlformats.org/drawingml/2006/main" xmlns:r="http://schemas.openxmlformats.org/officeDocument/2006/relationships" xmlns:p="http://schemas.openxmlformats.org/presentationml/2006/main">
   <p:cSld>
     <p:spTree>
@@ -8454,11 +7840,7 @@
             </a:r>
             <a:r>
               <a:rPr lang="ru" dirty="0" smtClean="0"/>
-              <a:t>был</a:t>
-            </a:r>
-            <a:r>
-              <a:rPr lang="ru" dirty="0" smtClean="0"/>
-              <a:t> создан </a:t>
+              <a:t>был создан </a:t>
             </a:r>
             <a:r>
               <a:rPr lang="ru" dirty="0"/>
@@ -8477,13 +7859,13 @@
   <p:clrMapOvr>
     <a:masterClrMapping/>
   </p:clrMapOvr>
-  <mc:AlternateContent xmlns:mc="http://schemas.openxmlformats.org/markup-compatibility/2006">
-    <mc:Choice xmlns:p14="http://schemas.microsoft.com/office/powerpoint/2010/main" Requires="p14">
+  <mc:AlternateContent xmlns:mc="http://schemas.openxmlformats.org/markup-compatibility/2006" xmlns:p14="http://schemas.microsoft.com/office/powerpoint/2010/main">
+    <mc:Choice Requires="p14">
       <p:transition spd="med" p14:dur="700">
         <p:fade/>
       </p:transition>
     </mc:Choice>
-    <mc:Fallback>
+    <mc:Fallback xmlns="">
       <p:transition spd="med">
         <p:fade/>
       </p:transition>
@@ -8492,7 +7874,7 @@
 </p:sld>
 </file>
 
-<file path=ppt/slides/slide4.xml><?xml version="1.0" encoding="utf-8"?>
+<file path=ppt/slides/slide3.xml><?xml version="1.0" encoding="utf-8"?>
 <p:sld xmlns:a="http://schemas.openxmlformats.org/drawingml/2006/main" xmlns:r="http://schemas.openxmlformats.org/officeDocument/2006/relationships" xmlns:p="http://schemas.openxmlformats.org/presentationml/2006/main">
   <p:cSld>
     <p:spTree>
@@ -8625,13 +8007,136 @@
   <p:clrMapOvr>
     <a:masterClrMapping/>
   </p:clrMapOvr>
-  <mc:AlternateContent xmlns:mc="http://schemas.openxmlformats.org/markup-compatibility/2006">
-    <mc:Choice xmlns:p14="http://schemas.microsoft.com/office/powerpoint/2010/main" Requires="p14">
+  <mc:AlternateContent xmlns:mc="http://schemas.openxmlformats.org/markup-compatibility/2006" xmlns:p14="http://schemas.microsoft.com/office/powerpoint/2010/main">
+    <mc:Choice Requires="p14">
       <p:transition spd="med" p14:dur="700">
         <p:fade/>
       </p:transition>
     </mc:Choice>
-    <mc:Fallback>
+    <mc:Fallback xmlns="">
+      <p:transition spd="med">
+        <p:fade/>
+      </p:transition>
+    </mc:Fallback>
+  </mc:AlternateContent>
+</p:sld>
+</file>
+
+<file path=ppt/slides/slide4.xml><?xml version="1.0" encoding="utf-8"?>
+<p:sld xmlns:a="http://schemas.openxmlformats.org/drawingml/2006/main" xmlns:r="http://schemas.openxmlformats.org/officeDocument/2006/relationships" xmlns:p="http://schemas.openxmlformats.org/presentationml/2006/main">
+  <p:cSld>
+    <p:spTree>
+      <p:nvGrpSpPr>
+        <p:cNvPr id="1" name=""/>
+        <p:cNvGrpSpPr/>
+        <p:nvPr/>
+      </p:nvGrpSpPr>
+      <p:grpSpPr>
+        <a:xfrm>
+          <a:off x="0" y="0"/>
+          <a:ext cx="0" cy="0"/>
+          <a:chOff x="0" y="0"/>
+          <a:chExt cx="0" cy="0"/>
+        </a:xfrm>
+      </p:grpSpPr>
+      <p:sp>
+        <p:nvSpPr>
+          <p:cNvPr id="2" name="Заголовок 1"/>
+          <p:cNvSpPr>
+            <a:spLocks noGrp="1"/>
+          </p:cNvSpPr>
+          <p:nvPr>
+            <p:ph type="title"/>
+          </p:nvPr>
+        </p:nvSpPr>
+        <p:spPr/>
+        <p:txBody>
+          <a:bodyPr/>
+          <a:lstStyle/>
+          <a:p>
+            <a:r>
+              <a:rPr lang="ru-RU" dirty="0" smtClean="0"/>
+              <a:t>Окно авторизации</a:t>
+            </a:r>
+            <a:endParaRPr lang="ru-RU" dirty="0"/>
+          </a:p>
+        </p:txBody>
+      </p:sp>
+      <p:sp>
+        <p:nvSpPr>
+          <p:cNvPr id="3" name="Текст 2"/>
+          <p:cNvSpPr>
+            <a:spLocks noGrp="1"/>
+          </p:cNvSpPr>
+          <p:nvPr>
+            <p:ph type="body" idx="1"/>
+          </p:nvPr>
+        </p:nvSpPr>
+        <p:spPr/>
+        <p:txBody>
+          <a:bodyPr/>
+          <a:lstStyle/>
+          <a:p>
+            <a:endParaRPr lang="ru-RU"/>
+          </a:p>
+        </p:txBody>
+      </p:sp>
+      <p:pic>
+        <p:nvPicPr>
+          <p:cNvPr id="1026" name="Picture 2" descr="C:\Users\лала\Pictures\Screenshots\Снимок экрана (122).png"/>
+          <p:cNvPicPr>
+            <a:picLocks noChangeAspect="1" noChangeArrowheads="1"/>
+          </p:cNvPicPr>
+          <p:nvPr/>
+        </p:nvPicPr>
+        <p:blipFill rotWithShape="1">
+          <a:blip r:embed="rId2">
+            <a:extLst>
+              <a:ext uri="{28A0092B-C50C-407E-A947-70E740481C1C}">
+                <a14:useLocalDpi xmlns:a14="http://schemas.microsoft.com/office/drawing/2010/main" val="0"/>
+              </a:ext>
+            </a:extLst>
+          </a:blip>
+          <a:srcRect l="-1" t="10109" r="62085" b="6951"/>
+          <a:stretch/>
+        </p:blipFill>
+        <p:spPr bwMode="auto">
+          <a:xfrm>
+            <a:off x="4572000" y="83085"/>
+            <a:ext cx="3960440" cy="4870807"/>
+          </a:xfrm>
+          <a:prstGeom prst="rect">
+            <a:avLst/>
+          </a:prstGeom>
+          <a:noFill/>
+          <a:extLst>
+            <a:ext uri="{909E8E84-426E-40DD-AFC4-6F175D3DCCD1}">
+              <a14:hiddenFill xmlns:a14="http://schemas.microsoft.com/office/drawing/2010/main">
+                <a:solidFill>
+                  <a:srgbClr val="FFFFFF"/>
+                </a:solidFill>
+              </a14:hiddenFill>
+            </a:ext>
+          </a:extLst>
+        </p:spPr>
+      </p:pic>
+    </p:spTree>
+    <p:extLst>
+      <p:ext uri="{BB962C8B-B14F-4D97-AF65-F5344CB8AC3E}">
+        <p14:creationId xmlns:p14="http://schemas.microsoft.com/office/powerpoint/2010/main" val="2236332875"/>
+      </p:ext>
+    </p:extLst>
+  </p:cSld>
+  <p:clrMapOvr>
+    <a:masterClrMapping/>
+  </p:clrMapOvr>
+  <mc:AlternateContent xmlns:mc="http://schemas.openxmlformats.org/markup-compatibility/2006" xmlns:p14="http://schemas.microsoft.com/office/powerpoint/2010/main">
+    <mc:Choice Requires="p14">
+      <p:transition spd="med" p14:dur="700">
+        <p:fade/>
+      </p:transition>
+    </mc:Choice>
+    <mc:Fallback xmlns="">
       <p:transition spd="med">
         <p:fade/>
       </p:transition>
@@ -8669,7 +8174,7 @@
         </p:nvSpPr>
         <p:spPr>
           <a:xfrm>
-            <a:off x="311725" y="500925"/>
+            <a:off x="251520" y="88987"/>
             <a:ext cx="3706500" cy="2508900"/>
           </a:xfrm>
           <a:prstGeom prst="rect">
@@ -8754,8 +8259,8 @@
         </p:blipFill>
         <p:spPr bwMode="auto">
           <a:xfrm>
-            <a:off x="4357686" y="500048"/>
-            <a:ext cx="4608576" cy="4130764"/>
+            <a:off x="15102" y="1786074"/>
+            <a:ext cx="3410733" cy="3057112"/>
           </a:xfrm>
           <a:prstGeom prst="rect">
             <a:avLst/>
@@ -8770,18 +8275,57 @@
           <a:effectLst/>
         </p:spPr>
       </p:pic>
+      <p:pic>
+        <p:nvPicPr>
+          <p:cNvPr id="2" name="Picture 2" descr="C:\Users\лала\Pictures\Screenshots\Снимок экрана (118).png"/>
+          <p:cNvPicPr>
+            <a:picLocks noChangeAspect="1" noChangeArrowheads="1"/>
+          </p:cNvPicPr>
+          <p:nvPr/>
+        </p:nvPicPr>
+        <p:blipFill rotWithShape="1">
+          <a:blip r:embed="rId4">
+            <a:extLst>
+              <a:ext uri="{28A0092B-C50C-407E-A947-70E740481C1C}">
+                <a14:useLocalDpi xmlns:a14="http://schemas.microsoft.com/office/drawing/2010/main" val="0"/>
+              </a:ext>
+            </a:extLst>
+          </a:blip>
+          <a:srcRect t="8923" r="6530" b="7792"/>
+          <a:stretch/>
+        </p:blipFill>
+        <p:spPr bwMode="auto">
+          <a:xfrm>
+            <a:off x="3531638" y="339502"/>
+            <a:ext cx="5579198" cy="2975128"/>
+          </a:xfrm>
+          <a:prstGeom prst="rect">
+            <a:avLst/>
+          </a:prstGeom>
+          <a:noFill/>
+          <a:extLst>
+            <a:ext uri="{909E8E84-426E-40DD-AFC4-6F175D3DCCD1}">
+              <a14:hiddenFill xmlns:a14="http://schemas.microsoft.com/office/drawing/2010/main">
+                <a:solidFill>
+                  <a:srgbClr val="FFFFFF"/>
+                </a:solidFill>
+              </a14:hiddenFill>
+            </a:ext>
+          </a:extLst>
+        </p:spPr>
+      </p:pic>
     </p:spTree>
   </p:cSld>
   <p:clrMapOvr>
     <a:masterClrMapping/>
   </p:clrMapOvr>
-  <mc:AlternateContent xmlns:mc="http://schemas.openxmlformats.org/markup-compatibility/2006">
-    <mc:Choice xmlns:p14="http://schemas.microsoft.com/office/powerpoint/2010/main" Requires="p14">
+  <mc:AlternateContent xmlns:mc="http://schemas.openxmlformats.org/markup-compatibility/2006" xmlns:p14="http://schemas.microsoft.com/office/powerpoint/2010/main">
+    <mc:Choice Requires="p14">
       <p:transition spd="med" p14:dur="700">
         <p:fade/>
       </p:transition>
     </mc:Choice>
-    <mc:Fallback>
+    <mc:Fallback xmlns="">
       <p:transition spd="med">
         <p:fade/>
       </p:transition>
@@ -8819,7 +8363,7 @@
         </p:nvSpPr>
         <p:spPr>
           <a:xfrm>
-            <a:off x="311725" y="500925"/>
+            <a:off x="12723" y="51470"/>
             <a:ext cx="3706500" cy="2508900"/>
           </a:xfrm>
           <a:prstGeom prst="rect">
@@ -8889,6 +8433,45 @@
       </p:sp>
       <p:pic>
         <p:nvPicPr>
+          <p:cNvPr id="2" name="Picture 2" descr="C:\Users\лала\Pictures\Screenshots\Снимок экрана (119).png"/>
+          <p:cNvPicPr>
+            <a:picLocks noChangeAspect="1" noChangeArrowheads="1"/>
+          </p:cNvPicPr>
+          <p:nvPr/>
+        </p:nvPicPr>
+        <p:blipFill rotWithShape="1">
+          <a:blip r:embed="rId3">
+            <a:extLst>
+              <a:ext uri="{28A0092B-C50C-407E-A947-70E740481C1C}">
+                <a14:useLocalDpi xmlns:a14="http://schemas.microsoft.com/office/drawing/2010/main" val="0"/>
+              </a:ext>
+            </a:extLst>
+          </a:blip>
+          <a:srcRect t="9567" r="6950" b="6955"/>
+          <a:stretch/>
+        </p:blipFill>
+        <p:spPr bwMode="auto">
+          <a:xfrm>
+            <a:off x="2339752" y="618600"/>
+            <a:ext cx="6901349" cy="3480954"/>
+          </a:xfrm>
+          <a:prstGeom prst="rect">
+            <a:avLst/>
+          </a:prstGeom>
+          <a:noFill/>
+          <a:extLst>
+            <a:ext uri="{909E8E84-426E-40DD-AFC4-6F175D3DCCD1}">
+              <a14:hiddenFill xmlns:a14="http://schemas.microsoft.com/office/drawing/2010/main">
+                <a:solidFill>
+                  <a:srgbClr val="FFFFFF"/>
+                </a:solidFill>
+              </a14:hiddenFill>
+            </a:ext>
+          </a:extLst>
+        </p:spPr>
+      </p:pic>
+      <p:pic>
+        <p:nvPicPr>
           <p:cNvPr id="3074" name="Picture 2"/>
           <p:cNvPicPr>
             <a:picLocks noChangeAspect="1" noChangeArrowheads="1"/>
@@ -8896,7 +8479,7 @@
           <p:nvPr/>
         </p:nvPicPr>
         <p:blipFill>
-          <a:blip r:embed="rId3"/>
+          <a:blip r:embed="rId4"/>
           <a:srcRect/>
           <a:stretch>
             <a:fillRect/>
@@ -8904,8 +8487,8 @@
         </p:blipFill>
         <p:spPr bwMode="auto">
           <a:xfrm>
-            <a:off x="4357686" y="357172"/>
-            <a:ext cx="4689447" cy="4357718"/>
+            <a:off x="179511" y="2499742"/>
+            <a:ext cx="2750621" cy="2556044"/>
           </a:xfrm>
           <a:prstGeom prst="rect">
             <a:avLst/>
@@ -8925,13 +8508,13 @@
   <p:clrMapOvr>
     <a:masterClrMapping/>
   </p:clrMapOvr>
-  <mc:AlternateContent xmlns:mc="http://schemas.openxmlformats.org/markup-compatibility/2006">
-    <mc:Choice xmlns:p14="http://schemas.microsoft.com/office/powerpoint/2010/main" Requires="p14">
+  <mc:AlternateContent xmlns:mc="http://schemas.openxmlformats.org/markup-compatibility/2006" xmlns:p14="http://schemas.microsoft.com/office/powerpoint/2010/main">
+    <mc:Choice Requires="p14">
       <p:transition spd="med" p14:dur="700">
         <p:fade/>
       </p:transition>
     </mc:Choice>
-    <mc:Fallback>
+    <mc:Fallback xmlns="">
       <p:transition spd="med">
         <p:fade/>
       </p:transition>
@@ -8969,7 +8552,7 @@
         </p:nvSpPr>
         <p:spPr>
           <a:xfrm>
-            <a:off x="311725" y="500925"/>
+            <a:off x="323528" y="267494"/>
             <a:ext cx="3706500" cy="2508900"/>
           </a:xfrm>
           <a:prstGeom prst="rect">
@@ -9054,8 +8637,8 @@
         </p:blipFill>
         <p:spPr bwMode="auto">
           <a:xfrm>
-            <a:off x="4355694" y="285734"/>
-            <a:ext cx="4688304" cy="4357718"/>
+            <a:off x="395536" y="1419622"/>
+            <a:ext cx="3603714" cy="3349606"/>
           </a:xfrm>
           <a:prstGeom prst="rect">
             <a:avLst/>
@@ -9075,13 +8658,13 @@
   <p:clrMapOvr>
     <a:masterClrMapping/>
   </p:clrMapOvr>
-  <mc:AlternateContent xmlns:mc="http://schemas.openxmlformats.org/markup-compatibility/2006">
-    <mc:Choice xmlns:p14="http://schemas.microsoft.com/office/powerpoint/2010/main" Requires="p14">
+  <mc:AlternateContent xmlns:mc="http://schemas.openxmlformats.org/markup-compatibility/2006" xmlns:p14="http://schemas.microsoft.com/office/powerpoint/2010/main">
+    <mc:Choice Requires="p14">
       <p:transition spd="med" p14:dur="700">
         <p:fade/>
       </p:transition>
     </mc:Choice>
-    <mc:Fallback>
+    <mc:Fallback xmlns="">
       <p:transition spd="med">
         <p:fade/>
       </p:transition>
@@ -9119,7 +8702,7 @@
         </p:nvSpPr>
         <p:spPr>
           <a:xfrm>
-            <a:off x="311725" y="500925"/>
+            <a:off x="323528" y="195486"/>
             <a:ext cx="3706500" cy="2508900"/>
           </a:xfrm>
           <a:prstGeom prst="rect">
@@ -9204,8 +8787,8 @@
         </p:blipFill>
         <p:spPr bwMode="auto">
           <a:xfrm>
-            <a:off x="4429124" y="214296"/>
-            <a:ext cx="4614874" cy="4821952"/>
+            <a:off x="323528" y="886352"/>
+            <a:ext cx="3888432" cy="4062914"/>
           </a:xfrm>
           <a:prstGeom prst="rect">
             <a:avLst/>
@@ -9225,13 +8808,13 @@
   <p:clrMapOvr>
     <a:masterClrMapping/>
   </p:clrMapOvr>
-  <mc:AlternateContent xmlns:mc="http://schemas.openxmlformats.org/markup-compatibility/2006">
-    <mc:Choice xmlns:p14="http://schemas.microsoft.com/office/powerpoint/2010/main" Requires="p14">
+  <mc:AlternateContent xmlns:mc="http://schemas.openxmlformats.org/markup-compatibility/2006" xmlns:p14="http://schemas.microsoft.com/office/powerpoint/2010/main">
+    <mc:Choice Requires="p14">
       <p:transition spd="med" p14:dur="700">
         <p:fade/>
       </p:transition>
     </mc:Choice>
-    <mc:Fallback>
+    <mc:Fallback xmlns="">
       <p:transition spd="med">
         <p:fade/>
       </p:transition>
@@ -9336,11 +8919,36 @@
             </a:pPr>
             <a:r>
               <a:rPr lang="ru-RU" dirty="0" smtClean="0"/>
-              <a:t>Разделение на пользователя и  администратора</a:t>
+              <a:t>Было</a:t>
+            </a:r>
+            <a:r>
+              <a:rPr lang="en-US" dirty="0" smtClean="0"/>
+              <a:t>:</a:t>
+            </a:r>
+            <a:endParaRPr lang="en-US" dirty="0" smtClean="0"/>
+          </a:p>
+          <a:p>
+            <a:pPr marL="800100" lvl="1" indent="-342900">
+              <a:spcBef>
+                <a:spcPts val="0"/>
+              </a:spcBef>
+              <a:spcAft>
+                <a:spcPts val="1600"/>
+              </a:spcAft>
+              <a:buFont typeface="+mj-lt"/>
+              <a:buAutoNum type="arabicPeriod"/>
+            </a:pPr>
+            <a:r>
+              <a:rPr lang="ru-RU" dirty="0" smtClean="0"/>
+              <a:t>Разделение </a:t>
+            </a:r>
+            <a:r>
+              <a:rPr lang="ru-RU" dirty="0" smtClean="0"/>
+              <a:t>на пользователя и  администратора</a:t>
             </a:r>
           </a:p>
           <a:p>
-            <a:pPr marL="342900" lvl="0" indent="-342900" algn="l" rtl="0">
+            <a:pPr marL="800100" lvl="1" indent="-342900">
               <a:spcBef>
                 <a:spcPts val="0"/>
               </a:spcBef>
@@ -9356,7 +8964,7 @@
             </a:r>
           </a:p>
           <a:p>
-            <a:pPr marL="342900" lvl="0" indent="-342900" algn="l" rtl="0">
+            <a:pPr marL="800100" lvl="1" indent="-342900">
               <a:spcBef>
                 <a:spcPts val="0"/>
               </a:spcBef>
@@ -9368,8 +8976,71 @@
             </a:pPr>
             <a:r>
               <a:rPr lang="ru-RU" dirty="0" smtClean="0"/>
-              <a:t>Возможность создания своей собственной афиши</a:t>
+              <a:t>Возможность создания своей собственной </a:t>
             </a:r>
+            <a:r>
+              <a:rPr lang="ru-RU" dirty="0" smtClean="0"/>
+              <a:t>афиши</a:t>
+            </a:r>
+            <a:endParaRPr lang="en-US" dirty="0"/>
+          </a:p>
+          <a:p>
+            <a:pPr marL="342900" indent="-342900">
+              <a:spcAft>
+                <a:spcPts val="1600"/>
+              </a:spcAft>
+              <a:buFont typeface="+mj-lt"/>
+              <a:buAutoNum type="arabicPeriod"/>
+            </a:pPr>
+            <a:r>
+              <a:rPr lang="ru-RU" dirty="0" smtClean="0"/>
+              <a:t>Стало</a:t>
+            </a:r>
+            <a:r>
+              <a:rPr lang="en-US" dirty="0" smtClean="0"/>
+              <a:t>:</a:t>
+            </a:r>
+            <a:endParaRPr lang="ru-RU" dirty="0" smtClean="0"/>
+          </a:p>
+          <a:p>
+            <a:pPr marL="800100" lvl="1" indent="-342900">
+              <a:spcAft>
+                <a:spcPts val="1600"/>
+              </a:spcAft>
+              <a:buFont typeface="+mj-lt"/>
+              <a:buAutoNum type="arabicPeriod"/>
+            </a:pPr>
+            <a:r>
+              <a:rPr lang="ru-RU" dirty="0" smtClean="0"/>
+              <a:t>Бронь билета на конкретное время</a:t>
+            </a:r>
+          </a:p>
+          <a:p>
+            <a:pPr marL="800100" lvl="1" indent="-342900">
+              <a:spcAft>
+                <a:spcPts val="1600"/>
+              </a:spcAft>
+              <a:buFont typeface="+mj-lt"/>
+              <a:buAutoNum type="arabicPeriod"/>
+            </a:pPr>
+            <a:r>
+              <a:rPr lang="ru-RU" dirty="0" smtClean="0"/>
+              <a:t>Уведомление о скором начинании фильма</a:t>
+            </a:r>
+          </a:p>
+          <a:p>
+            <a:pPr marL="800100" lvl="1" indent="-342900">
+              <a:spcAft>
+                <a:spcPts val="1600"/>
+              </a:spcAft>
+              <a:buFont typeface="+mj-lt"/>
+              <a:buAutoNum type="arabicPeriod"/>
+            </a:pPr>
+            <a:r>
+              <a:rPr lang="ru-RU" dirty="0" smtClean="0"/>
+              <a:t>Настройка под пользователя</a:t>
+            </a:r>
+            <a:endParaRPr lang="ru-RU" dirty="0" smtClean="0"/>
           </a:p>
           <a:p>
             <a:pPr marL="342900" lvl="0" indent="-342900" algn="l" rtl="0">
@@ -9416,13 +9087,13 @@
   <p:clrMapOvr>
     <a:masterClrMapping/>
   </p:clrMapOvr>
-  <mc:AlternateContent xmlns:mc="http://schemas.openxmlformats.org/markup-compatibility/2006">
-    <mc:Choice xmlns:p14="http://schemas.microsoft.com/office/powerpoint/2010/main" Requires="p14">
+  <mc:AlternateContent xmlns:mc="http://schemas.openxmlformats.org/markup-compatibility/2006" xmlns:p14="http://schemas.microsoft.com/office/powerpoint/2010/main">
+    <mc:Choice Requires="p14">
       <p:transition spd="med" p14:dur="700">
         <p:fade/>
       </p:transition>
     </mc:Choice>
-    <mc:Fallback>
+    <mc:Fallback xmlns="">
       <p:transition spd="med">
         <p:fade/>
       </p:transition>

--- a/6474cee279b33108.pptx
+++ b/6474cee279b33108.pptx
@@ -23,14 +23,14 @@
   <p:notesSz cx="6858000" cy="9144000"/>
   <p:embeddedFontLst>
     <p:embeddedFont>
-      <p:font typeface="Roboto" panose="020B0604020202020204" charset="0"/>
+      <p:font typeface="Merriweather" panose="020B0604020202020204" charset="-52"/>
       <p:regular r:id="rId13"/>
       <p:bold r:id="rId14"/>
       <p:italic r:id="rId15"/>
       <p:boldItalic r:id="rId16"/>
     </p:embeddedFont>
     <p:embeddedFont>
-      <p:font typeface="Merriweather" panose="020B0604020202020204" charset="-52"/>
+      <p:font typeface="Roboto" panose="020B0604020202020204" charset="0"/>
       <p:regular r:id="rId17"/>
       <p:bold r:id="rId18"/>
       <p:italic r:id="rId19"/>
@@ -8296,7 +8296,7 @@
         </p:blipFill>
         <p:spPr bwMode="auto">
           <a:xfrm>
-            <a:off x="3531638" y="339502"/>
+            <a:off x="3571745" y="843558"/>
             <a:ext cx="5579198" cy="2975128"/>
           </a:xfrm>
           <a:prstGeom prst="rect">
@@ -8637,7 +8637,7 @@
         </p:blipFill>
         <p:spPr bwMode="auto">
           <a:xfrm>
-            <a:off x="395536" y="1419622"/>
+            <a:off x="83749" y="1419622"/>
             <a:ext cx="3603714" cy="3349606"/>
           </a:xfrm>
           <a:prstGeom prst="rect">
@@ -8651,6 +8651,47 @@
             <a:tailEnd/>
           </a:ln>
           <a:effectLst/>
+        </p:spPr>
+      </p:pic>
+      <p:pic>
+        <p:nvPicPr>
+          <p:cNvPr id="1026" name="Picture 2" descr="C:\Users\лала\Pictures\Screenshots\Снимок экрана (126).png"/>
+          <p:cNvPicPr>
+            <a:picLocks noChangeAspect="1" noChangeArrowheads="1"/>
+          </p:cNvPicPr>
+          <p:nvPr/>
+        </p:nvPicPr>
+        <p:blipFill>
+          <a:blip r:embed="rId4">
+            <a:extLst>
+              <a:ext uri="{28A0092B-C50C-407E-A947-70E740481C1C}">
+                <a14:useLocalDpi xmlns:a14="http://schemas.microsoft.com/office/drawing/2010/main" val="0"/>
+              </a:ext>
+            </a:extLst>
+          </a:blip>
+          <a:srcRect/>
+          <a:stretch>
+            <a:fillRect/>
+          </a:stretch>
+        </p:blipFill>
+        <p:spPr bwMode="auto">
+          <a:xfrm>
+            <a:off x="3851920" y="843558"/>
+            <a:ext cx="5066022" cy="2848247"/>
+          </a:xfrm>
+          <a:prstGeom prst="rect">
+            <a:avLst/>
+          </a:prstGeom>
+          <a:noFill/>
+          <a:extLst>
+            <a:ext uri="{909E8E84-426E-40DD-AFC4-6F175D3DCCD1}">
+              <a14:hiddenFill xmlns:a14="http://schemas.microsoft.com/office/drawing/2010/main">
+                <a:solidFill>
+                  <a:srgbClr val="FFFFFF"/>
+                </a:solidFill>
+              </a14:hiddenFill>
+            </a:ext>
+          </a:extLst>
         </p:spPr>
       </p:pic>
     </p:spTree>
@@ -8787,7 +8828,7 @@
         </p:blipFill>
         <p:spPr bwMode="auto">
           <a:xfrm>
-            <a:off x="323528" y="886352"/>
+            <a:off x="107504" y="1048053"/>
             <a:ext cx="3888432" cy="4062914"/>
           </a:xfrm>
           <a:prstGeom prst="rect">
@@ -8801,6 +8842,47 @@
             <a:tailEnd/>
           </a:ln>
           <a:effectLst/>
+        </p:spPr>
+      </p:pic>
+      <p:pic>
+        <p:nvPicPr>
+          <p:cNvPr id="2050" name="Picture 2" descr="C:\Users\лала\Pictures\Screenshots\Снимок экрана (127).png"/>
+          <p:cNvPicPr>
+            <a:picLocks noChangeAspect="1" noChangeArrowheads="1"/>
+          </p:cNvPicPr>
+          <p:nvPr/>
+        </p:nvPicPr>
+        <p:blipFill>
+          <a:blip r:embed="rId4">
+            <a:extLst>
+              <a:ext uri="{28A0092B-C50C-407E-A947-70E740481C1C}">
+                <a14:useLocalDpi xmlns:a14="http://schemas.microsoft.com/office/drawing/2010/main" val="0"/>
+              </a:ext>
+            </a:extLst>
+          </a:blip>
+          <a:srcRect/>
+          <a:stretch>
+            <a:fillRect/>
+          </a:stretch>
+        </p:blipFill>
+        <p:spPr bwMode="auto">
+          <a:xfrm>
+            <a:off x="4067944" y="1275606"/>
+            <a:ext cx="4891216" cy="2749966"/>
+          </a:xfrm>
+          <a:prstGeom prst="rect">
+            <a:avLst/>
+          </a:prstGeom>
+          <a:noFill/>
+          <a:extLst>
+            <a:ext uri="{909E8E84-426E-40DD-AFC4-6F175D3DCCD1}">
+              <a14:hiddenFill xmlns:a14="http://schemas.microsoft.com/office/drawing/2010/main">
+                <a:solidFill>
+                  <a:srgbClr val="FFFFFF"/>
+                </a:solidFill>
+              </a14:hiddenFill>
+            </a:ext>
+          </a:extLst>
         </p:spPr>
       </p:pic>
     </p:spTree>
@@ -8925,7 +9007,6 @@
               <a:rPr lang="en-US" dirty="0" smtClean="0"/>
               <a:t>:</a:t>
             </a:r>
-            <a:endParaRPr lang="en-US" dirty="0" smtClean="0"/>
           </a:p>
           <a:p>
             <a:pPr marL="800100" lvl="1" indent="-342900">
@@ -8940,11 +9021,7 @@
             </a:pPr>
             <a:r>
               <a:rPr lang="ru-RU" dirty="0" smtClean="0"/>
-              <a:t>Разделение </a:t>
-            </a:r>
-            <a:r>
-              <a:rPr lang="ru-RU" dirty="0" smtClean="0"/>
-              <a:t>на пользователя и  администратора</a:t>
+              <a:t>Разделение на пользователя и  администратора</a:t>
             </a:r>
           </a:p>
           <a:p>
@@ -8976,11 +9053,7 @@
             </a:pPr>
             <a:r>
               <a:rPr lang="ru-RU" dirty="0" smtClean="0"/>
-              <a:t>Возможность создания своей собственной </a:t>
-            </a:r>
-            <a:r>
-              <a:rPr lang="ru-RU" dirty="0" smtClean="0"/>
-              <a:t>афиши</a:t>
+              <a:t>Возможность создания своей собственной афиши</a:t>
             </a:r>
             <a:endParaRPr lang="en-US" dirty="0"/>
           </a:p>
@@ -9040,7 +9113,6 @@
               <a:rPr lang="ru-RU" dirty="0" smtClean="0"/>
               <a:t>Настройка под пользователя</a:t>
             </a:r>
-            <a:endParaRPr lang="ru-RU" dirty="0" smtClean="0"/>
           </a:p>
           <a:p>
             <a:pPr marL="342900" lvl="0" indent="-342900" algn="l" rtl="0">
